--- a/docs/wswCR7/软工实践ppt.pptx
+++ b/docs/wswCR7/软工实践ppt.pptx
@@ -3376,13 +3376,14 @@
         </p:nvPicPr>
         <p:blipFill>
           <a:blip r:embed="rId1"/>
+          <a:srcRect l="483" t="11327" r="-483" b="-11327"/>
           <a:stretch>
             <a:fillRect/>
           </a:stretch>
         </p:blipFill>
         <p:spPr>
           <a:xfrm>
-            <a:off x="210820" y="815340"/>
+            <a:off x="107950" y="393700"/>
             <a:ext cx="4598035" cy="5690235"/>
           </a:xfrm>
           <a:prstGeom prst="rect">
@@ -3655,14 +3656,15 @@
         </p:nvPicPr>
         <p:blipFill>
           <a:blip r:embed="rId1"/>
+          <a:srcRect t="9312"/>
           <a:stretch>
             <a:fillRect/>
           </a:stretch>
         </p:blipFill>
         <p:spPr>
           <a:xfrm>
-            <a:off x="69215" y="549910"/>
-            <a:ext cx="4721225" cy="6089650"/>
+            <a:off x="56515" y="476250"/>
+            <a:ext cx="4721225" cy="5522595"/>
           </a:xfrm>
           <a:prstGeom prst="rect">
             <a:avLst/>
@@ -4162,14 +4164,15 @@
         </p:nvPicPr>
         <p:blipFill>
           <a:blip r:embed="rId1"/>
+          <a:srcRect t="9014"/>
           <a:stretch>
             <a:fillRect/>
           </a:stretch>
         </p:blipFill>
         <p:spPr>
           <a:xfrm>
-            <a:off x="245745" y="628015"/>
-            <a:ext cx="5516245" cy="6163945"/>
+            <a:off x="201295" y="524510"/>
+            <a:ext cx="5516245" cy="5608320"/>
           </a:xfrm>
           <a:prstGeom prst="rect">
             <a:avLst/>
@@ -4407,14 +4410,15 @@
         </p:nvPicPr>
         <p:blipFill>
           <a:blip r:embed="rId1"/>
+          <a:srcRect t="12352"/>
           <a:stretch>
             <a:fillRect/>
           </a:stretch>
         </p:blipFill>
         <p:spPr>
           <a:xfrm>
-            <a:off x="189865" y="451485"/>
-            <a:ext cx="4556125" cy="6230620"/>
+            <a:off x="124460" y="451485"/>
+            <a:ext cx="4556125" cy="5461000"/>
           </a:xfrm>
           <a:prstGeom prst="rect">
             <a:avLst/>
@@ -4658,14 +4662,15 @@
         </p:nvPicPr>
         <p:blipFill>
           <a:blip r:embed="rId1"/>
+          <a:srcRect t="8551"/>
           <a:stretch>
             <a:fillRect/>
           </a:stretch>
         </p:blipFill>
         <p:spPr>
           <a:xfrm>
-            <a:off x="231775" y="586740"/>
-            <a:ext cx="4185920" cy="6200775"/>
+            <a:off x="231775" y="593725"/>
+            <a:ext cx="4185920" cy="5670550"/>
           </a:xfrm>
           <a:prstGeom prst="rect">
             <a:avLst/>
@@ -4688,7 +4693,7 @@
         </p:blipFill>
         <p:spPr>
           <a:xfrm>
-            <a:off x="5132070" y="215900"/>
+            <a:off x="4909820" y="245745"/>
             <a:ext cx="5046980" cy="6492240"/>
           </a:xfrm>
           <a:prstGeom prst="rect">
@@ -4903,14 +4908,15 @@
         </p:nvPicPr>
         <p:blipFill>
           <a:blip r:embed="rId1"/>
+          <a:srcRect t="10839"/>
           <a:stretch>
             <a:fillRect/>
           </a:stretch>
         </p:blipFill>
         <p:spPr>
           <a:xfrm>
-            <a:off x="113030" y="560705"/>
-            <a:ext cx="5132070" cy="6092825"/>
+            <a:off x="55880" y="476250"/>
+            <a:ext cx="5132070" cy="5432425"/>
           </a:xfrm>
           <a:prstGeom prst="rect">
             <a:avLst/>

--- a/docs/wswCR7/软工实践ppt.pptx
+++ b/docs/wswCR7/软工实践ppt.pptx
@@ -21,6 +21,8 @@
     <p:sldId id="273" r:id="rId16"/>
     <p:sldId id="262" r:id="rId17"/>
     <p:sldId id="270" r:id="rId18"/>
+    <p:sldId id="274" r:id="rId19"/>
+    <p:sldId id="275" r:id="rId20"/>
   </p:sldIdLst>
   <p:sldSz cx="12192000" cy="6858000"/>
   <p:notesSz cx="6858000" cy="9144000"/>
@@ -4214,6 +4216,261 @@
 </p:sld>
 </file>
 
+<file path=ppt/slides/slide17.xml><?xml version="1.0" encoding="utf-8"?>
+<p:sld xmlns:a="http://schemas.openxmlformats.org/drawingml/2006/main" xmlns:r="http://schemas.openxmlformats.org/officeDocument/2006/relationships" xmlns:p="http://schemas.openxmlformats.org/presentationml/2006/main">
+  <p:cSld>
+    <p:spTree>
+      <p:nvGrpSpPr>
+        <p:cNvPr id="1" name=""/>
+        <p:cNvGrpSpPr/>
+        <p:nvPr/>
+      </p:nvGrpSpPr>
+      <p:grpSpPr/>
+      <p:pic>
+        <p:nvPicPr>
+          <p:cNvPr id="4" name="图片 3"/>
+          <p:cNvPicPr>
+            <a:picLocks noChangeAspect="1"/>
+          </p:cNvPicPr>
+          <p:nvPr/>
+        </p:nvPicPr>
+        <p:blipFill>
+          <a:blip r:embed="rId1"/>
+          <a:stretch>
+            <a:fillRect/>
+          </a:stretch>
+        </p:blipFill>
+        <p:spPr>
+          <a:xfrm>
+            <a:off x="107950" y="598805"/>
+            <a:ext cx="5848350" cy="5349240"/>
+          </a:xfrm>
+          <a:prstGeom prst="rect">
+            <a:avLst/>
+          </a:prstGeom>
+        </p:spPr>
+      </p:pic>
+      <p:sp>
+        <p:nvSpPr>
+          <p:cNvPr id="5" name="文本框 4"/>
+          <p:cNvSpPr txBox="1"/>
+          <p:nvPr/>
+        </p:nvSpPr>
+        <p:spPr>
+          <a:xfrm>
+            <a:off x="108000" y="108000"/>
+            <a:ext cx="6096000" cy="368300"/>
+          </a:xfrm>
+          <a:prstGeom prst="rect">
+            <a:avLst/>
+          </a:prstGeom>
+          <a:noFill/>
+        </p:spPr>
+        <p:txBody>
+          <a:bodyPr wrap="square" rtlCol="0" anchor="t">
+            <a:spAutoFit/>
+          </a:bodyPr>
+          <a:p>
+            <a:r>
+              <a:rPr lang="zh-CN" altLang="en-US" b="1">
+                <a:sym typeface="+mn-ea"/>
+              </a:rPr>
+              <a:t>题目</a:t>
+            </a:r>
+            <a:r>
+              <a:rPr lang="zh-CN" altLang="en-US" b="1">
+                <a:sym typeface="+mn-ea"/>
+              </a:rPr>
+              <a:t>搜索</a:t>
+            </a:r>
+            <a:endParaRPr lang="zh-CN" altLang="en-US" b="1">
+              <a:sym typeface="+mn-ea"/>
+            </a:endParaRPr>
+          </a:p>
+        </p:txBody>
+      </p:sp>
+      <p:sp>
+        <p:nvSpPr>
+          <p:cNvPr id="8" name="文本框 7"/>
+          <p:cNvSpPr txBox="1"/>
+          <p:nvPr/>
+        </p:nvSpPr>
+        <p:spPr>
+          <a:xfrm>
+            <a:off x="6421755" y="318770"/>
+            <a:ext cx="934085" cy="460375"/>
+          </a:xfrm>
+          <a:prstGeom prst="rect">
+            <a:avLst/>
+          </a:prstGeom>
+          <a:noFill/>
+        </p:spPr>
+        <p:txBody>
+          <a:bodyPr wrap="square" rtlCol="0">
+            <a:spAutoFit/>
+          </a:bodyPr>
+          <a:p>
+            <a:r>
+              <a:rPr lang="zh-CN" altLang="en-US" sz="2400"/>
+              <a:t>流程</a:t>
+            </a:r>
+            <a:r>
+              <a:rPr lang="en-US" altLang="zh-CN" sz="2400"/>
+              <a:t>:</a:t>
+            </a:r>
+            <a:endParaRPr lang="zh-CN" altLang="en-US" sz="2400"/>
+          </a:p>
+        </p:txBody>
+      </p:sp>
+      <p:pic>
+        <p:nvPicPr>
+          <p:cNvPr id="6" name="图片 5" descr="7"/>
+          <p:cNvPicPr>
+            <a:picLocks noChangeAspect="1"/>
+          </p:cNvPicPr>
+          <p:nvPr/>
+        </p:nvPicPr>
+        <p:blipFill>
+          <a:blip r:embed="rId2"/>
+          <a:stretch>
+            <a:fillRect/>
+          </a:stretch>
+        </p:blipFill>
+        <p:spPr>
+          <a:xfrm>
+            <a:off x="6480810" y="845820"/>
+            <a:ext cx="5288280" cy="5266690"/>
+          </a:xfrm>
+          <a:prstGeom prst="rect">
+            <a:avLst/>
+          </a:prstGeom>
+        </p:spPr>
+      </p:pic>
+    </p:spTree>
+    <p:custDataLst>
+      <p:tags r:id="rId3"/>
+    </p:custDataLst>
+  </p:cSld>
+  <p:clrMapOvr>
+    <a:masterClrMapping/>
+  </p:clrMapOvr>
+</p:sld>
+</file>
+
+<file path=ppt/slides/slide18.xml><?xml version="1.0" encoding="utf-8"?>
+<p:sld xmlns:a="http://schemas.openxmlformats.org/drawingml/2006/main" xmlns:r="http://schemas.openxmlformats.org/officeDocument/2006/relationships" xmlns:p="http://schemas.openxmlformats.org/presentationml/2006/main">
+  <p:cSld>
+    <p:spTree>
+      <p:nvGrpSpPr>
+        <p:cNvPr id="1" name=""/>
+        <p:cNvGrpSpPr/>
+        <p:nvPr/>
+      </p:nvGrpSpPr>
+      <p:grpSpPr/>
+      <p:pic>
+        <p:nvPicPr>
+          <p:cNvPr id="4" name="图片 3"/>
+          <p:cNvPicPr>
+            <a:picLocks noChangeAspect="1"/>
+          </p:cNvPicPr>
+          <p:nvPr/>
+        </p:nvPicPr>
+        <p:blipFill>
+          <a:blip r:embed="rId1"/>
+          <a:stretch>
+            <a:fillRect/>
+          </a:stretch>
+        </p:blipFill>
+        <p:spPr>
+          <a:xfrm>
+            <a:off x="0" y="476250"/>
+            <a:ext cx="4318000" cy="6381750"/>
+          </a:xfrm>
+          <a:prstGeom prst="rect">
+            <a:avLst/>
+          </a:prstGeom>
+        </p:spPr>
+      </p:pic>
+      <p:sp>
+        <p:nvSpPr>
+          <p:cNvPr id="5" name="文本框 4"/>
+          <p:cNvSpPr txBox="1"/>
+          <p:nvPr/>
+        </p:nvSpPr>
+        <p:spPr>
+          <a:xfrm>
+            <a:off x="108000" y="107950"/>
+            <a:ext cx="6096000" cy="368300"/>
+          </a:xfrm>
+          <a:prstGeom prst="rect">
+            <a:avLst/>
+          </a:prstGeom>
+          <a:noFill/>
+        </p:spPr>
+        <p:txBody>
+          <a:bodyPr wrap="square" rtlCol="0" anchor="t">
+            <a:spAutoFit/>
+          </a:bodyPr>
+          <a:p>
+            <a:r>
+              <a:rPr lang="zh-CN" altLang="en-US" b="1">
+                <a:sym typeface="+mn-ea"/>
+              </a:rPr>
+              <a:t>题目搜索</a:t>
+            </a:r>
+            <a:r>
+              <a:rPr lang="en-US" altLang="zh-CN" b="1">
+                <a:sym typeface="+mn-ea"/>
+              </a:rPr>
+              <a:t>-</a:t>
+            </a:r>
+            <a:r>
+              <a:rPr lang="zh-CN" altLang="en-US" b="1">
+                <a:sym typeface="+mn-ea"/>
+              </a:rPr>
+              <a:t>测试用例及代码</a:t>
+            </a:r>
+            <a:endParaRPr lang="zh-CN" altLang="en-US" b="1">
+              <a:sym typeface="+mn-ea"/>
+            </a:endParaRPr>
+          </a:p>
+        </p:txBody>
+      </p:sp>
+      <p:pic>
+        <p:nvPicPr>
+          <p:cNvPr id="6" name="图片 5"/>
+          <p:cNvPicPr>
+            <a:picLocks noChangeAspect="1"/>
+          </p:cNvPicPr>
+          <p:nvPr/>
+        </p:nvPicPr>
+        <p:blipFill>
+          <a:blip r:embed="rId2"/>
+          <a:stretch>
+            <a:fillRect/>
+          </a:stretch>
+        </p:blipFill>
+        <p:spPr>
+          <a:xfrm>
+            <a:off x="4864735" y="0"/>
+            <a:ext cx="6063615" cy="6858000"/>
+          </a:xfrm>
+          <a:prstGeom prst="rect">
+            <a:avLst/>
+          </a:prstGeom>
+        </p:spPr>
+      </p:pic>
+    </p:spTree>
+    <p:custDataLst>
+      <p:tags r:id="rId3"/>
+    </p:custDataLst>
+  </p:cSld>
+  <p:clrMapOvr>
+    <a:masterClrMapping/>
+  </p:clrMapOvr>
+</p:sld>
+</file>
+
 <file path=ppt/slides/slide2.xml><?xml version="1.0" encoding="utf-8"?>
 <p:sld xmlns:a="http://schemas.openxmlformats.org/drawingml/2006/main" xmlns:r="http://schemas.openxmlformats.org/officeDocument/2006/relationships" xmlns:p="http://schemas.openxmlformats.org/presentationml/2006/main">
   <p:cSld>
@@ -6139,6 +6396,14 @@
 </p:tagLst>
 </file>
 
+<file path=ppt/tags/tag79.xml><?xml version="1.0" encoding="utf-8"?>
+<p:tagLst xmlns:p="http://schemas.openxmlformats.org/presentationml/2006/main">
+  <p:tag name="KSO_WM_BEAUTIFY_FLAG" val="#wm#"/>
+  <p:tag name="KSO_WM_TEMPLATE_CATEGORY" val="custom"/>
+  <p:tag name="KSO_WM_TEMPLATE_INDEX" val="20205081"/>
+</p:tagLst>
+</file>
+
 <file path=ppt/tags/tag8.xml><?xml version="1.0" encoding="utf-8"?>
 <p:tagLst xmlns:p="http://schemas.openxmlformats.org/presentationml/2006/main">
   <p:tag name="KSO_WM_UNIT_HIGHLIGHT" val="0"/>
@@ -6149,6 +6414,14 @@
   <p:tag name="KSO_WM_UNIT_LAYERLEVEL" val="1"/>
   <p:tag name="KSO_WM_TAG_VERSION" val="1.0"/>
   <p:tag name="KSO_WM_BEAUTIFY_FLAG" val="#wm#"/>
+</p:tagLst>
+</file>
+
+<file path=ppt/tags/tag80.xml><?xml version="1.0" encoding="utf-8"?>
+<p:tagLst xmlns:p="http://schemas.openxmlformats.org/presentationml/2006/main">
+  <p:tag name="KSO_WM_BEAUTIFY_FLAG" val="#wm#"/>
+  <p:tag name="KSO_WM_TEMPLATE_CATEGORY" val="custom"/>
+  <p:tag name="KSO_WM_TEMPLATE_INDEX" val="20205081"/>
 </p:tagLst>
 </file>
 

--- a/docs/wswCR7/软工实践ppt.pptx
+++ b/docs/wswCR7/软工实践ppt.pptx
@@ -7,22 +7,19 @@
   <p:sldIdLst>
     <p:sldId id="256" r:id="rId3"/>
     <p:sldId id="257" r:id="rId4"/>
-    <p:sldId id="264" r:id="rId5"/>
-    <p:sldId id="265" r:id="rId6"/>
-    <p:sldId id="266" r:id="rId7"/>
-    <p:sldId id="258" r:id="rId8"/>
-    <p:sldId id="267" r:id="rId9"/>
-    <p:sldId id="259" r:id="rId10"/>
-    <p:sldId id="271" r:id="rId11"/>
-    <p:sldId id="268" r:id="rId12"/>
-    <p:sldId id="260" r:id="rId13"/>
-    <p:sldId id="269" r:id="rId14"/>
-    <p:sldId id="261" r:id="rId15"/>
-    <p:sldId id="273" r:id="rId16"/>
-    <p:sldId id="262" r:id="rId17"/>
-    <p:sldId id="270" r:id="rId18"/>
-    <p:sldId id="274" r:id="rId19"/>
-    <p:sldId id="275" r:id="rId20"/>
+    <p:sldId id="265" r:id="rId5"/>
+    <p:sldId id="258" r:id="rId6"/>
+    <p:sldId id="259" r:id="rId7"/>
+    <p:sldId id="271" r:id="rId8"/>
+    <p:sldId id="268" r:id="rId9"/>
+    <p:sldId id="260" r:id="rId10"/>
+    <p:sldId id="269" r:id="rId11"/>
+    <p:sldId id="261" r:id="rId12"/>
+    <p:sldId id="273" r:id="rId13"/>
+    <p:sldId id="262" r:id="rId14"/>
+    <p:sldId id="270" r:id="rId15"/>
+    <p:sldId id="274" r:id="rId16"/>
+    <p:sldId id="275" r:id="rId17"/>
   </p:sldIdLst>
   <p:sldSz cx="12192000" cy="6858000"/>
   <p:notesSz cx="6858000" cy="9144000"/>
@@ -3265,7 +3262,11 @@
             </a:r>
             <a:r>
               <a:rPr lang="zh-CN" altLang="en-US" sz="2400"/>
-              <a:t>相应模块代码功能测试</a:t>
+              <a:t>答题、</a:t>
+            </a:r>
+            <a:r>
+              <a:rPr lang="zh-CN" altLang="en-US" sz="2400"/>
+              <a:t>搜索代码功能测试</a:t>
             </a:r>
             <a:r>
               <a:rPr lang="en-US" altLang="zh-CN" sz="2400"/>
@@ -3313,14 +3314,14 @@
       <p:grpSpPr/>
       <p:sp>
         <p:nvSpPr>
-          <p:cNvPr id="4" name="文本框 3"/>
+          <p:cNvPr id="5" name="文本框 4"/>
           <p:cNvSpPr txBox="1"/>
           <p:nvPr/>
         </p:nvSpPr>
         <p:spPr>
           <a:xfrm>
             <a:off x="108000" y="108000"/>
-            <a:ext cx="3390265" cy="368300"/>
+            <a:ext cx="6096000" cy="368300"/>
           </a:xfrm>
           <a:prstGeom prst="rect">
             <a:avLst/>
@@ -3348,21 +3349,27 @@
               <a:rPr lang="zh-CN" altLang="en-US" b="1">
                 <a:sym typeface="+mn-ea"/>
               </a:rPr>
-              <a:t>顺序</a:t>
+              <a:t>定时</a:t>
             </a:r>
             <a:r>
               <a:rPr lang="en-US" altLang="zh-CN" b="1">
                 <a:sym typeface="+mn-ea"/>
               </a:rPr>
-              <a:t>)-</a:t>
+              <a:t>/</a:t>
             </a:r>
             <a:r>
               <a:rPr lang="zh-CN" altLang="en-US" b="1">
                 <a:sym typeface="+mn-ea"/>
               </a:rPr>
-              <a:t>测试用例及代码</a:t>
-            </a:r>
-            <a:endParaRPr lang="zh-CN" altLang="en-US" b="1">
+              <a:t>定量</a:t>
+            </a:r>
+            <a:r>
+              <a:rPr lang="en-US" altLang="zh-CN" b="1">
+                <a:sym typeface="+mn-ea"/>
+              </a:rPr>
+              <a:t>)</a:t>
+            </a:r>
+            <a:endParaRPr lang="en-US" altLang="zh-CN" b="1">
               <a:sym typeface="+mn-ea"/>
             </a:endParaRPr>
           </a:p>
@@ -3370,7 +3377,7 @@
       </p:sp>
       <p:pic>
         <p:nvPicPr>
-          <p:cNvPr id="5" name="图片 4"/>
+          <p:cNvPr id="4" name="图片 3"/>
           <p:cNvPicPr>
             <a:picLocks noChangeAspect="1"/>
           </p:cNvPicPr>
@@ -3378,24 +3385,56 @@
         </p:nvPicPr>
         <p:blipFill>
           <a:blip r:embed="rId1"/>
-          <a:srcRect l="483" t="11327" r="-483" b="-11327"/>
           <a:stretch>
             <a:fillRect/>
           </a:stretch>
         </p:blipFill>
         <p:spPr>
           <a:xfrm>
-            <a:off x="107950" y="393700"/>
-            <a:ext cx="4598035" cy="5690235"/>
+            <a:off x="65405" y="630555"/>
+            <a:ext cx="6261735" cy="5299075"/>
           </a:xfrm>
           <a:prstGeom prst="rect">
             <a:avLst/>
           </a:prstGeom>
         </p:spPr>
       </p:pic>
+      <p:sp>
+        <p:nvSpPr>
+          <p:cNvPr id="8" name="文本框 7"/>
+          <p:cNvSpPr txBox="1"/>
+          <p:nvPr/>
+        </p:nvSpPr>
+        <p:spPr>
+          <a:xfrm>
+            <a:off x="6421755" y="318770"/>
+            <a:ext cx="934085" cy="460375"/>
+          </a:xfrm>
+          <a:prstGeom prst="rect">
+            <a:avLst/>
+          </a:prstGeom>
+          <a:noFill/>
+        </p:spPr>
+        <p:txBody>
+          <a:bodyPr wrap="square" rtlCol="0">
+            <a:spAutoFit/>
+          </a:bodyPr>
+          <a:p>
+            <a:r>
+              <a:rPr lang="zh-CN" altLang="en-US" sz="2400"/>
+              <a:t>流程</a:t>
+            </a:r>
+            <a:r>
+              <a:rPr lang="en-US" altLang="zh-CN" sz="2400"/>
+              <a:t>:</a:t>
+            </a:r>
+            <a:endParaRPr lang="zh-CN" altLang="en-US" sz="2400"/>
+          </a:p>
+        </p:txBody>
+      </p:sp>
       <p:pic>
         <p:nvPicPr>
-          <p:cNvPr id="6" name="图片 5"/>
+          <p:cNvPr id="2" name="图片 1" descr="4"/>
           <p:cNvPicPr>
             <a:picLocks noChangeAspect="1"/>
           </p:cNvPicPr>
@@ -3409,8 +3448,8 @@
         </p:blipFill>
         <p:spPr>
           <a:xfrm>
-            <a:off x="4506595" y="254000"/>
-            <a:ext cx="5531485" cy="6357620"/>
+            <a:off x="7355840" y="577850"/>
+            <a:ext cx="2185035" cy="5702935"/>
           </a:xfrm>
           <a:prstGeom prst="rect">
             <a:avLst/>
@@ -3429,6 +3468,108 @@
 </file>
 
 <file path=ppt/slides/slide11.xml><?xml version="1.0" encoding="utf-8"?>
+<p:sld xmlns:a="http://schemas.openxmlformats.org/drawingml/2006/main" xmlns:r="http://schemas.openxmlformats.org/officeDocument/2006/relationships" xmlns:p="http://schemas.openxmlformats.org/presentationml/2006/main">
+  <p:cSld>
+    <p:spTree>
+      <p:nvGrpSpPr>
+        <p:cNvPr id="1" name=""/>
+        <p:cNvGrpSpPr/>
+        <p:nvPr/>
+      </p:nvGrpSpPr>
+      <p:grpSpPr/>
+      <p:pic>
+        <p:nvPicPr>
+          <p:cNvPr id="6" name="图片 5"/>
+          <p:cNvPicPr>
+            <a:picLocks noChangeAspect="1"/>
+          </p:cNvPicPr>
+          <p:nvPr/>
+        </p:nvPicPr>
+        <p:blipFill>
+          <a:blip r:embed="rId1"/>
+          <a:stretch>
+            <a:fillRect/>
+          </a:stretch>
+        </p:blipFill>
+        <p:spPr>
+          <a:xfrm>
+            <a:off x="0" y="0"/>
+            <a:ext cx="7084695" cy="5683885"/>
+          </a:xfrm>
+          <a:prstGeom prst="rect">
+            <a:avLst/>
+          </a:prstGeom>
+        </p:spPr>
+      </p:pic>
+      <p:sp>
+        <p:nvSpPr>
+          <p:cNvPr id="8" name="文本框 7"/>
+          <p:cNvSpPr txBox="1"/>
+          <p:nvPr/>
+        </p:nvSpPr>
+        <p:spPr>
+          <a:xfrm>
+            <a:off x="7045960" y="0"/>
+            <a:ext cx="934085" cy="460375"/>
+          </a:xfrm>
+          <a:prstGeom prst="rect">
+            <a:avLst/>
+          </a:prstGeom>
+          <a:noFill/>
+        </p:spPr>
+        <p:txBody>
+          <a:bodyPr wrap="square" rtlCol="0">
+            <a:spAutoFit/>
+          </a:bodyPr>
+          <a:p>
+            <a:r>
+              <a:rPr lang="zh-CN" altLang="en-US" sz="2400"/>
+              <a:t>流程</a:t>
+            </a:r>
+            <a:r>
+              <a:rPr lang="en-US" altLang="zh-CN" sz="2400"/>
+              <a:t>:</a:t>
+            </a:r>
+            <a:endParaRPr lang="zh-CN" altLang="en-US" sz="2400"/>
+          </a:p>
+        </p:txBody>
+      </p:sp>
+      <p:pic>
+        <p:nvPicPr>
+          <p:cNvPr id="4" name="图片 3" descr="5"/>
+          <p:cNvPicPr>
+            <a:picLocks noChangeAspect="1"/>
+          </p:cNvPicPr>
+          <p:nvPr/>
+        </p:nvPicPr>
+        <p:blipFill>
+          <a:blip r:embed="rId2"/>
+          <a:stretch>
+            <a:fillRect/>
+          </a:stretch>
+        </p:blipFill>
+        <p:spPr>
+          <a:xfrm>
+            <a:off x="8048625" y="133985"/>
+            <a:ext cx="4010660" cy="5833745"/>
+          </a:xfrm>
+          <a:prstGeom prst="rect">
+            <a:avLst/>
+          </a:prstGeom>
+        </p:spPr>
+      </p:pic>
+    </p:spTree>
+    <p:custDataLst>
+      <p:tags r:id="rId3"/>
+    </p:custDataLst>
+  </p:cSld>
+  <p:clrMapOvr>
+    <a:masterClrMapping/>
+  </p:clrMapOvr>
+</p:sld>
+</file>
+
+<file path=ppt/slides/slide12.xml><?xml version="1.0" encoding="utf-8"?>
 <p:sld xmlns:a="http://schemas.openxmlformats.org/drawingml/2006/main" xmlns:r="http://schemas.openxmlformats.org/officeDocument/2006/relationships" xmlns:p="http://schemas.openxmlformats.org/presentationml/2006/main">
   <p:cSld>
     <p:spTree>
@@ -3454,8 +3595,8 @@
         </p:blipFill>
         <p:spPr>
           <a:xfrm>
-            <a:off x="240665" y="995045"/>
-            <a:ext cx="6711315" cy="5402580"/>
+            <a:off x="56515" y="0"/>
+            <a:ext cx="7761605" cy="6753225"/>
           </a:xfrm>
           <a:prstGeom prst="rect">
             <a:avLst/>
@@ -3464,14 +3605,14 @@
       </p:pic>
       <p:sp>
         <p:nvSpPr>
-          <p:cNvPr id="5" name="文本框 4"/>
+          <p:cNvPr id="6" name="文本框 5"/>
           <p:cNvSpPr txBox="1"/>
           <p:nvPr/>
         </p:nvSpPr>
         <p:spPr>
           <a:xfrm>
-            <a:off x="108000" y="108000"/>
-            <a:ext cx="6096000" cy="368300"/>
+            <a:off x="7818120" y="66675"/>
+            <a:ext cx="934085" cy="460375"/>
           </a:xfrm>
           <a:prstGeom prst="rect">
             <a:avLst/>
@@ -3479,57 +3620,6 @@
           <a:noFill/>
         </p:spPr>
         <p:txBody>
-          <a:bodyPr wrap="square" rtlCol="0" anchor="t">
-            <a:spAutoFit/>
-          </a:bodyPr>
-          <a:p>
-            <a:r>
-              <a:rPr lang="zh-CN" altLang="en-US" b="1">
-                <a:sym typeface="+mn-ea"/>
-              </a:rPr>
-              <a:t>答题</a:t>
-            </a:r>
-            <a:r>
-              <a:rPr lang="en-US" altLang="zh-CN" b="1">
-                <a:sym typeface="+mn-ea"/>
-              </a:rPr>
-              <a:t>(</a:t>
-            </a:r>
-            <a:r>
-              <a:rPr lang="zh-CN" altLang="en-US" b="1">
-                <a:sym typeface="+mn-ea"/>
-              </a:rPr>
-              <a:t>乱序</a:t>
-            </a:r>
-            <a:r>
-              <a:rPr lang="en-US" altLang="zh-CN" b="1">
-                <a:sym typeface="+mn-ea"/>
-              </a:rPr>
-              <a:t>)</a:t>
-            </a:r>
-            <a:endParaRPr lang="en-US" altLang="zh-CN" b="1">
-              <a:sym typeface="+mn-ea"/>
-            </a:endParaRPr>
-          </a:p>
-        </p:txBody>
-      </p:sp>
-      <p:sp>
-        <p:nvSpPr>
-          <p:cNvPr id="8" name="文本框 7"/>
-          <p:cNvSpPr txBox="1"/>
-          <p:nvPr/>
-        </p:nvSpPr>
-        <p:spPr>
-          <a:xfrm>
-            <a:off x="7880985" y="419735"/>
-            <a:ext cx="934085" cy="460375"/>
-          </a:xfrm>
-          <a:prstGeom prst="rect">
-            <a:avLst/>
-          </a:prstGeom>
-          <a:noFill/>
-        </p:spPr>
-        <p:txBody>
           <a:bodyPr wrap="square" rtlCol="0">
             <a:spAutoFit/>
           </a:bodyPr>
@@ -3548,7 +3638,7 @@
       </p:sp>
       <p:pic>
         <p:nvPicPr>
-          <p:cNvPr id="3" name="图片 2" descr="３"/>
+          <p:cNvPr id="7" name="图片 6" descr="6"/>
           <p:cNvPicPr>
             <a:picLocks noChangeAspect="1"/>
           </p:cNvPicPr>
@@ -3562,8 +3652,8 @@
         </p:blipFill>
         <p:spPr>
           <a:xfrm>
-            <a:off x="8445500" y="995045"/>
-            <a:ext cx="2925445" cy="5769610"/>
+            <a:off x="8854440" y="222250"/>
+            <a:ext cx="2362835" cy="6530340"/>
           </a:xfrm>
           <a:prstGeom prst="rect">
             <a:avLst/>
@@ -3581,7 +3671,7 @@
 </p:sld>
 </file>
 
-<file path=ppt/slides/slide12.xml><?xml version="1.0" encoding="utf-8"?>
+<file path=ppt/slides/slide13.xml><?xml version="1.0" encoding="utf-8"?>
 <p:sld xmlns:a="http://schemas.openxmlformats.org/drawingml/2006/main" xmlns:r="http://schemas.openxmlformats.org/officeDocument/2006/relationships" xmlns:p="http://schemas.openxmlformats.org/presentationml/2006/main">
   <p:cSld>
     <p:spTree>
@@ -3593,7 +3683,7 @@
       <p:grpSpPr/>
       <p:sp>
         <p:nvSpPr>
-          <p:cNvPr id="5" name="文本框 4"/>
+          <p:cNvPr id="4" name="文本框 3"/>
           <p:cNvSpPr txBox="1"/>
           <p:nvPr/>
         </p:nvSpPr>
@@ -3628,7 +3718,19 @@
               <a:rPr lang="zh-CN" altLang="en-US" b="1">
                 <a:sym typeface="+mn-ea"/>
               </a:rPr>
-              <a:t>乱序</a:t>
+              <a:t>定时</a:t>
+            </a:r>
+            <a:r>
+              <a:rPr lang="en-US" altLang="zh-CN" b="1">
+                <a:sym typeface="+mn-ea"/>
+              </a:rPr>
+              <a:t>/</a:t>
+            </a:r>
+            <a:r>
+              <a:rPr lang="zh-CN" altLang="en-US" b="1">
+                <a:sym typeface="+mn-ea"/>
+              </a:rPr>
+              <a:t>定量</a:t>
             </a:r>
             <a:r>
               <a:rPr lang="en-US" altLang="zh-CN" b="1">
@@ -3650,7 +3752,7 @@
       </p:sp>
       <p:pic>
         <p:nvPicPr>
-          <p:cNvPr id="6" name="图片 5"/>
+          <p:cNvPr id="5" name="图片 4"/>
           <p:cNvPicPr>
             <a:picLocks noChangeAspect="1"/>
           </p:cNvPicPr>
@@ -3658,15 +3760,15 @@
         </p:nvPicPr>
         <p:blipFill>
           <a:blip r:embed="rId1"/>
-          <a:srcRect t="9312"/>
+          <a:srcRect t="9014"/>
           <a:stretch>
             <a:fillRect/>
           </a:stretch>
         </p:blipFill>
         <p:spPr>
           <a:xfrm>
-            <a:off x="56515" y="476250"/>
-            <a:ext cx="4721225" cy="5522595"/>
+            <a:off x="201295" y="524510"/>
+            <a:ext cx="5516245" cy="5608320"/>
           </a:xfrm>
           <a:prstGeom prst="rect">
             <a:avLst/>
@@ -3675,7 +3777,7 @@
       </p:pic>
       <p:pic>
         <p:nvPicPr>
-          <p:cNvPr id="7" name="图片 6"/>
+          <p:cNvPr id="6" name="图片 5"/>
           <p:cNvPicPr>
             <a:picLocks noChangeAspect="1"/>
           </p:cNvPicPr>
@@ -3689,8 +3791,8 @@
         </p:blipFill>
         <p:spPr>
           <a:xfrm>
-            <a:off x="4512310" y="415925"/>
-            <a:ext cx="6782435" cy="5944235"/>
+            <a:off x="5206365" y="568325"/>
+            <a:ext cx="5944870" cy="6083935"/>
           </a:xfrm>
           <a:prstGeom prst="rect">
             <a:avLst/>
@@ -3708,7 +3810,7 @@
 </p:sld>
 </file>
 
-<file path=ppt/slides/slide13.xml><?xml version="1.0" encoding="utf-8"?>
+<file path=ppt/slides/slide14.xml><?xml version="1.0" encoding="utf-8"?>
 <p:sld xmlns:a="http://schemas.openxmlformats.org/drawingml/2006/main" xmlns:r="http://schemas.openxmlformats.org/officeDocument/2006/relationships" xmlns:p="http://schemas.openxmlformats.org/presentationml/2006/main">
   <p:cSld>
     <p:spTree>
@@ -3718,69 +3820,6 @@
         <p:nvPr/>
       </p:nvGrpSpPr>
       <p:grpSpPr/>
-      <p:sp>
-        <p:nvSpPr>
-          <p:cNvPr id="5" name="文本框 4"/>
-          <p:cNvSpPr txBox="1"/>
-          <p:nvPr/>
-        </p:nvSpPr>
-        <p:spPr>
-          <a:xfrm>
-            <a:off x="108000" y="108000"/>
-            <a:ext cx="6096000" cy="368300"/>
-          </a:xfrm>
-          <a:prstGeom prst="rect">
-            <a:avLst/>
-          </a:prstGeom>
-          <a:noFill/>
-        </p:spPr>
-        <p:txBody>
-          <a:bodyPr wrap="square" rtlCol="0" anchor="t">
-            <a:spAutoFit/>
-          </a:bodyPr>
-          <a:p>
-            <a:r>
-              <a:rPr lang="zh-CN" altLang="en-US" b="1">
-                <a:sym typeface="+mn-ea"/>
-              </a:rPr>
-              <a:t>答题</a:t>
-            </a:r>
-            <a:r>
-              <a:rPr lang="en-US" altLang="zh-CN" b="1">
-                <a:sym typeface="+mn-ea"/>
-              </a:rPr>
-              <a:t>(</a:t>
-            </a:r>
-            <a:r>
-              <a:rPr lang="zh-CN" altLang="en-US" b="1">
-                <a:sym typeface="+mn-ea"/>
-              </a:rPr>
-              <a:t>定时</a:t>
-            </a:r>
-            <a:r>
-              <a:rPr lang="en-US" altLang="zh-CN" b="1">
-                <a:sym typeface="+mn-ea"/>
-              </a:rPr>
-              <a:t>/</a:t>
-            </a:r>
-            <a:r>
-              <a:rPr lang="zh-CN" altLang="en-US" b="1">
-                <a:sym typeface="+mn-ea"/>
-              </a:rPr>
-              <a:t>定量</a:t>
-            </a:r>
-            <a:r>
-              <a:rPr lang="en-US" altLang="zh-CN" b="1">
-                <a:sym typeface="+mn-ea"/>
-              </a:rPr>
-              <a:t>)</a:t>
-            </a:r>
-            <a:endParaRPr lang="en-US" altLang="zh-CN" b="1">
-              <a:sym typeface="+mn-ea"/>
-            </a:endParaRPr>
-          </a:p>
-        </p:txBody>
-      </p:sp>
       <p:pic>
         <p:nvPicPr>
           <p:cNvPr id="4" name="图片 3"/>
@@ -3797,8 +3836,8 @@
         </p:blipFill>
         <p:spPr>
           <a:xfrm>
-            <a:off x="65405" y="630555"/>
-            <a:ext cx="6261735" cy="5299075"/>
+            <a:off x="107950" y="598805"/>
+            <a:ext cx="5848350" cy="5349240"/>
           </a:xfrm>
           <a:prstGeom prst="rect">
             <a:avLst/>
@@ -3807,14 +3846,14 @@
       </p:pic>
       <p:sp>
         <p:nvSpPr>
-          <p:cNvPr id="8" name="文本框 7"/>
+          <p:cNvPr id="5" name="文本框 4"/>
           <p:cNvSpPr txBox="1"/>
           <p:nvPr/>
         </p:nvSpPr>
         <p:spPr>
           <a:xfrm>
-            <a:off x="6421755" y="318770"/>
-            <a:ext cx="934085" cy="460375"/>
+            <a:off x="108000" y="108000"/>
+            <a:ext cx="6096000" cy="368300"/>
           </a:xfrm>
           <a:prstGeom prst="rect">
             <a:avLst/>
@@ -3822,6 +3861,45 @@
           <a:noFill/>
         </p:spPr>
         <p:txBody>
+          <a:bodyPr wrap="square" rtlCol="0" anchor="t">
+            <a:spAutoFit/>
+          </a:bodyPr>
+          <a:p>
+            <a:r>
+              <a:rPr lang="zh-CN" altLang="en-US" b="1">
+                <a:sym typeface="+mn-ea"/>
+              </a:rPr>
+              <a:t>题目</a:t>
+            </a:r>
+            <a:r>
+              <a:rPr lang="zh-CN" altLang="en-US" b="1">
+                <a:sym typeface="+mn-ea"/>
+              </a:rPr>
+              <a:t>搜索</a:t>
+            </a:r>
+            <a:endParaRPr lang="zh-CN" altLang="en-US" b="1">
+              <a:sym typeface="+mn-ea"/>
+            </a:endParaRPr>
+          </a:p>
+        </p:txBody>
+      </p:sp>
+      <p:sp>
+        <p:nvSpPr>
+          <p:cNvPr id="8" name="文本框 7"/>
+          <p:cNvSpPr txBox="1"/>
+          <p:nvPr/>
+        </p:nvSpPr>
+        <p:spPr>
+          <a:xfrm>
+            <a:off x="6421755" y="318770"/>
+            <a:ext cx="934085" cy="460375"/>
+          </a:xfrm>
+          <a:prstGeom prst="rect">
+            <a:avLst/>
+          </a:prstGeom>
+          <a:noFill/>
+        </p:spPr>
+        <p:txBody>
           <a:bodyPr wrap="square" rtlCol="0">
             <a:spAutoFit/>
           </a:bodyPr>
@@ -3840,7 +3918,7 @@
       </p:sp>
       <p:pic>
         <p:nvPicPr>
-          <p:cNvPr id="2" name="图片 1" descr="4"/>
+          <p:cNvPr id="6" name="图片 5" descr="7"/>
           <p:cNvPicPr>
             <a:picLocks noChangeAspect="1"/>
           </p:cNvPicPr>
@@ -3854,110 +3932,8 @@
         </p:blipFill>
         <p:spPr>
           <a:xfrm>
-            <a:off x="7355840" y="577850"/>
-            <a:ext cx="2185035" cy="5702935"/>
-          </a:xfrm>
-          <a:prstGeom prst="rect">
-            <a:avLst/>
-          </a:prstGeom>
-        </p:spPr>
-      </p:pic>
-    </p:spTree>
-    <p:custDataLst>
-      <p:tags r:id="rId3"/>
-    </p:custDataLst>
-  </p:cSld>
-  <p:clrMapOvr>
-    <a:masterClrMapping/>
-  </p:clrMapOvr>
-</p:sld>
-</file>
-
-<file path=ppt/slides/slide14.xml><?xml version="1.0" encoding="utf-8"?>
-<p:sld xmlns:a="http://schemas.openxmlformats.org/drawingml/2006/main" xmlns:r="http://schemas.openxmlformats.org/officeDocument/2006/relationships" xmlns:p="http://schemas.openxmlformats.org/presentationml/2006/main">
-  <p:cSld>
-    <p:spTree>
-      <p:nvGrpSpPr>
-        <p:cNvPr id="1" name=""/>
-        <p:cNvGrpSpPr/>
-        <p:nvPr/>
-      </p:nvGrpSpPr>
-      <p:grpSpPr/>
-      <p:pic>
-        <p:nvPicPr>
-          <p:cNvPr id="6" name="图片 5"/>
-          <p:cNvPicPr>
-            <a:picLocks noChangeAspect="1"/>
-          </p:cNvPicPr>
-          <p:nvPr/>
-        </p:nvPicPr>
-        <p:blipFill>
-          <a:blip r:embed="rId1"/>
-          <a:stretch>
-            <a:fillRect/>
-          </a:stretch>
-        </p:blipFill>
-        <p:spPr>
-          <a:xfrm>
-            <a:off x="0" y="0"/>
-            <a:ext cx="7084695" cy="5683885"/>
-          </a:xfrm>
-          <a:prstGeom prst="rect">
-            <a:avLst/>
-          </a:prstGeom>
-        </p:spPr>
-      </p:pic>
-      <p:sp>
-        <p:nvSpPr>
-          <p:cNvPr id="8" name="文本框 7"/>
-          <p:cNvSpPr txBox="1"/>
-          <p:nvPr/>
-        </p:nvSpPr>
-        <p:spPr>
-          <a:xfrm>
-            <a:off x="7045960" y="0"/>
-            <a:ext cx="934085" cy="460375"/>
-          </a:xfrm>
-          <a:prstGeom prst="rect">
-            <a:avLst/>
-          </a:prstGeom>
-          <a:noFill/>
-        </p:spPr>
-        <p:txBody>
-          <a:bodyPr wrap="square" rtlCol="0">
-            <a:spAutoFit/>
-          </a:bodyPr>
-          <a:p>
-            <a:r>
-              <a:rPr lang="zh-CN" altLang="en-US" sz="2400"/>
-              <a:t>流程</a:t>
-            </a:r>
-            <a:r>
-              <a:rPr lang="en-US" altLang="zh-CN" sz="2400"/>
-              <a:t>:</a:t>
-            </a:r>
-            <a:endParaRPr lang="zh-CN" altLang="en-US" sz="2400"/>
-          </a:p>
-        </p:txBody>
-      </p:sp>
-      <p:pic>
-        <p:nvPicPr>
-          <p:cNvPr id="4" name="图片 3" descr="5"/>
-          <p:cNvPicPr>
-            <a:picLocks noChangeAspect="1"/>
-          </p:cNvPicPr>
-          <p:nvPr/>
-        </p:nvPicPr>
-        <p:blipFill>
-          <a:blip r:embed="rId2"/>
-          <a:stretch>
-            <a:fillRect/>
-          </a:stretch>
-        </p:blipFill>
-        <p:spPr>
-          <a:xfrm>
-            <a:off x="8048625" y="133985"/>
-            <a:ext cx="4010660" cy="5833745"/>
+            <a:off x="6480810" y="845820"/>
+            <a:ext cx="5288280" cy="5266690"/>
           </a:xfrm>
           <a:prstGeom prst="rect">
             <a:avLst/>
@@ -4001,8 +3977,8 @@
         </p:blipFill>
         <p:spPr>
           <a:xfrm>
-            <a:off x="56515" y="0"/>
-            <a:ext cx="7761605" cy="6753225"/>
+            <a:off x="0" y="476250"/>
+            <a:ext cx="4318000" cy="6381750"/>
           </a:xfrm>
           <a:prstGeom prst="rect">
             <a:avLst/>
@@ -4011,14 +3987,14 @@
       </p:pic>
       <p:sp>
         <p:nvSpPr>
-          <p:cNvPr id="6" name="文本框 5"/>
+          <p:cNvPr id="5" name="文本框 4"/>
           <p:cNvSpPr txBox="1"/>
           <p:nvPr/>
         </p:nvSpPr>
         <p:spPr>
           <a:xfrm>
-            <a:off x="7818120" y="66675"/>
-            <a:ext cx="934085" cy="460375"/>
+            <a:off x="108000" y="107950"/>
+            <a:ext cx="6096000" cy="368300"/>
           </a:xfrm>
           <a:prstGeom prst="rect">
             <a:avLst/>
@@ -4026,25 +4002,37 @@
           <a:noFill/>
         </p:spPr>
         <p:txBody>
-          <a:bodyPr wrap="square" rtlCol="0">
+          <a:bodyPr wrap="square" rtlCol="0" anchor="t">
             <a:spAutoFit/>
           </a:bodyPr>
           <a:p>
             <a:r>
-              <a:rPr lang="zh-CN" altLang="en-US" sz="2400"/>
-              <a:t>流程</a:t>
-            </a:r>
-            <a:r>
-              <a:rPr lang="en-US" altLang="zh-CN" sz="2400"/>
-              <a:t>:</a:t>
-            </a:r>
-            <a:endParaRPr lang="zh-CN" altLang="en-US" sz="2400"/>
+              <a:rPr lang="zh-CN" altLang="en-US" b="1">
+                <a:sym typeface="+mn-ea"/>
+              </a:rPr>
+              <a:t>题目搜索</a:t>
+            </a:r>
+            <a:r>
+              <a:rPr lang="en-US" altLang="zh-CN" b="1">
+                <a:sym typeface="+mn-ea"/>
+              </a:rPr>
+              <a:t>-</a:t>
+            </a:r>
+            <a:r>
+              <a:rPr lang="zh-CN" altLang="en-US" b="1">
+                <a:sym typeface="+mn-ea"/>
+              </a:rPr>
+              <a:t>测试用例及代码</a:t>
+            </a:r>
+            <a:endParaRPr lang="zh-CN" altLang="en-US" b="1">
+              <a:sym typeface="+mn-ea"/>
+            </a:endParaRPr>
           </a:p>
         </p:txBody>
       </p:sp>
       <p:pic>
         <p:nvPicPr>
-          <p:cNvPr id="7" name="图片 6" descr="6"/>
+          <p:cNvPr id="6" name="图片 5"/>
           <p:cNvPicPr>
             <a:picLocks noChangeAspect="1"/>
           </p:cNvPicPr>
@@ -4058,8 +4046,8 @@
         </p:blipFill>
         <p:spPr>
           <a:xfrm>
-            <a:off x="8854440" y="222250"/>
-            <a:ext cx="2362835" cy="6530340"/>
+            <a:off x="4864735" y="0"/>
+            <a:ext cx="6063615" cy="6858000"/>
           </a:xfrm>
           <a:prstGeom prst="rect">
             <a:avLst/>
@@ -4077,7 +4065,7 @@
 </p:sld>
 </file>
 
-<file path=ppt/slides/slide16.xml><?xml version="1.0" encoding="utf-8"?>
+<file path=ppt/slides/slide2.xml><?xml version="1.0" encoding="utf-8"?>
 <p:sld xmlns:a="http://schemas.openxmlformats.org/drawingml/2006/main" xmlns:r="http://schemas.openxmlformats.org/officeDocument/2006/relationships" xmlns:p="http://schemas.openxmlformats.org/presentationml/2006/main">
   <p:cSld>
     <p:spTree>
@@ -4096,7 +4084,7 @@
         <p:spPr>
           <a:xfrm>
             <a:off x="108000" y="108000"/>
-            <a:ext cx="6096000" cy="368300"/>
+            <a:ext cx="3190240" cy="368300"/>
           </a:xfrm>
           <a:prstGeom prst="rect">
             <a:avLst/>
@@ -4104,6 +4092,405 @@
           <a:noFill/>
         </p:spPr>
         <p:txBody>
+          <a:bodyPr wrap="square" rtlCol="0">
+            <a:spAutoFit/>
+          </a:bodyPr>
+          <a:p>
+            <a:r>
+              <a:rPr lang="zh-CN" altLang="en-US" b="1"/>
+              <a:t>用户登录</a:t>
+            </a:r>
+            <a:endParaRPr lang="zh-CN" altLang="en-US" b="1"/>
+          </a:p>
+        </p:txBody>
+      </p:sp>
+      <p:pic>
+        <p:nvPicPr>
+          <p:cNvPr id="6" name="图片 5"/>
+          <p:cNvPicPr>
+            <a:picLocks noChangeAspect="1"/>
+          </p:cNvPicPr>
+          <p:nvPr/>
+        </p:nvPicPr>
+        <p:blipFill>
+          <a:blip r:embed="rId1"/>
+          <a:stretch>
+            <a:fillRect/>
+          </a:stretch>
+        </p:blipFill>
+        <p:spPr>
+          <a:xfrm>
+            <a:off x="273685" y="685165"/>
+            <a:ext cx="4540250" cy="5994400"/>
+          </a:xfrm>
+          <a:prstGeom prst="rect">
+            <a:avLst/>
+          </a:prstGeom>
+        </p:spPr>
+      </p:pic>
+      <p:sp>
+        <p:nvSpPr>
+          <p:cNvPr id="8" name="文本框 7"/>
+          <p:cNvSpPr txBox="1"/>
+          <p:nvPr/>
+        </p:nvSpPr>
+        <p:spPr>
+          <a:xfrm>
+            <a:off x="5888990" y="685165"/>
+            <a:ext cx="964565" cy="460375"/>
+          </a:xfrm>
+          <a:prstGeom prst="rect">
+            <a:avLst/>
+          </a:prstGeom>
+          <a:noFill/>
+        </p:spPr>
+        <p:txBody>
+          <a:bodyPr wrap="square" rtlCol="0">
+            <a:spAutoFit/>
+          </a:bodyPr>
+          <a:p>
+            <a:r>
+              <a:rPr lang="zh-CN" altLang="en-US" sz="2400"/>
+              <a:t>流程</a:t>
+            </a:r>
+            <a:r>
+              <a:rPr lang="en-US" altLang="zh-CN" sz="2400"/>
+              <a:t>:</a:t>
+            </a:r>
+            <a:endParaRPr lang="zh-CN" altLang="en-US" sz="2400"/>
+          </a:p>
+        </p:txBody>
+      </p:sp>
+      <p:pic>
+        <p:nvPicPr>
+          <p:cNvPr id="10" name="图片 9"/>
+          <p:cNvPicPr>
+            <a:picLocks noChangeAspect="1"/>
+          </p:cNvPicPr>
+          <p:nvPr/>
+        </p:nvPicPr>
+        <p:blipFill>
+          <a:blip r:embed="rId2"/>
+          <a:stretch>
+            <a:fillRect/>
+          </a:stretch>
+        </p:blipFill>
+        <p:spPr>
+          <a:xfrm>
+            <a:off x="5773420" y="1115695"/>
+            <a:ext cx="4526280" cy="5563870"/>
+          </a:xfrm>
+          <a:prstGeom prst="rect">
+            <a:avLst/>
+          </a:prstGeom>
+        </p:spPr>
+      </p:pic>
+    </p:spTree>
+    <p:custDataLst>
+      <p:tags r:id="rId3"/>
+    </p:custDataLst>
+  </p:cSld>
+  <p:clrMapOvr>
+    <a:masterClrMapping/>
+  </p:clrMapOvr>
+</p:sld>
+</file>
+
+<file path=ppt/slides/slide3.xml><?xml version="1.0" encoding="utf-8"?>
+<p:sld xmlns:a="http://schemas.openxmlformats.org/drawingml/2006/main" xmlns:r="http://schemas.openxmlformats.org/officeDocument/2006/relationships" xmlns:p="http://schemas.openxmlformats.org/presentationml/2006/main">
+  <p:cSld>
+    <p:spTree>
+      <p:nvGrpSpPr>
+        <p:cNvPr id="1" name=""/>
+        <p:cNvGrpSpPr/>
+        <p:nvPr/>
+      </p:nvGrpSpPr>
+      <p:grpSpPr/>
+      <p:pic>
+        <p:nvPicPr>
+          <p:cNvPr id="7" name="图片 6"/>
+          <p:cNvPicPr>
+            <a:picLocks noChangeAspect="1"/>
+          </p:cNvPicPr>
+          <p:nvPr/>
+        </p:nvPicPr>
+        <p:blipFill>
+          <a:blip r:embed="rId1"/>
+          <a:stretch>
+            <a:fillRect/>
+          </a:stretch>
+        </p:blipFill>
+        <p:spPr>
+          <a:xfrm>
+            <a:off x="157480" y="555625"/>
+            <a:ext cx="4754245" cy="3841750"/>
+          </a:xfrm>
+          <a:prstGeom prst="rect">
+            <a:avLst/>
+          </a:prstGeom>
+        </p:spPr>
+      </p:pic>
+      <p:sp>
+        <p:nvSpPr>
+          <p:cNvPr id="4" name="文本框 3"/>
+          <p:cNvSpPr txBox="1"/>
+          <p:nvPr/>
+        </p:nvSpPr>
+        <p:spPr>
+          <a:xfrm>
+            <a:off x="108000" y="108000"/>
+            <a:ext cx="4665980" cy="368300"/>
+          </a:xfrm>
+          <a:prstGeom prst="rect">
+            <a:avLst/>
+          </a:prstGeom>
+          <a:noFill/>
+        </p:spPr>
+        <p:txBody>
+          <a:bodyPr wrap="square" rtlCol="0">
+            <a:spAutoFit/>
+          </a:bodyPr>
+          <a:p>
+            <a:r>
+              <a:rPr lang="zh-CN" altLang="en-US" b="1"/>
+              <a:t>用户登出</a:t>
+            </a:r>
+            <a:endParaRPr lang="zh-CN" altLang="en-US" b="1"/>
+          </a:p>
+        </p:txBody>
+      </p:sp>
+      <p:pic>
+        <p:nvPicPr>
+          <p:cNvPr id="5" name="图片 4"/>
+          <p:cNvPicPr>
+            <a:picLocks noChangeAspect="1"/>
+          </p:cNvPicPr>
+          <p:nvPr/>
+        </p:nvPicPr>
+        <p:blipFill>
+          <a:blip r:embed="rId2"/>
+          <a:stretch>
+            <a:fillRect/>
+          </a:stretch>
+        </p:blipFill>
+        <p:spPr>
+          <a:xfrm>
+            <a:off x="7435215" y="424180"/>
+            <a:ext cx="2578100" cy="3759200"/>
+          </a:xfrm>
+          <a:prstGeom prst="rect">
+            <a:avLst/>
+          </a:prstGeom>
+        </p:spPr>
+      </p:pic>
+      <p:sp>
+        <p:nvSpPr>
+          <p:cNvPr id="6" name="文本框 5"/>
+          <p:cNvSpPr txBox="1"/>
+          <p:nvPr/>
+        </p:nvSpPr>
+        <p:spPr>
+          <a:xfrm>
+            <a:off x="6403340" y="316865"/>
+            <a:ext cx="911225" cy="460375"/>
+          </a:xfrm>
+          <a:prstGeom prst="rect">
+            <a:avLst/>
+          </a:prstGeom>
+          <a:noFill/>
+        </p:spPr>
+        <p:txBody>
+          <a:bodyPr wrap="square" rtlCol="0" anchor="t">
+            <a:spAutoFit/>
+          </a:bodyPr>
+          <a:p>
+            <a:r>
+              <a:rPr lang="zh-CN" altLang="en-US" sz="2400">
+                <a:sym typeface="+mn-ea"/>
+              </a:rPr>
+              <a:t>流程</a:t>
+            </a:r>
+            <a:r>
+              <a:rPr lang="en-US" altLang="zh-CN" sz="2400">
+                <a:sym typeface="+mn-ea"/>
+              </a:rPr>
+              <a:t>:</a:t>
+            </a:r>
+            <a:endParaRPr lang="en-US" altLang="zh-CN" sz="2400">
+              <a:sym typeface="+mn-ea"/>
+            </a:endParaRPr>
+          </a:p>
+        </p:txBody>
+      </p:sp>
+    </p:spTree>
+    <p:custDataLst>
+      <p:tags r:id="rId3"/>
+    </p:custDataLst>
+  </p:cSld>
+  <p:clrMapOvr>
+    <a:masterClrMapping/>
+  </p:clrMapOvr>
+</p:sld>
+</file>
+
+<file path=ppt/slides/slide4.xml><?xml version="1.0" encoding="utf-8"?>
+<p:sld xmlns:a="http://schemas.openxmlformats.org/drawingml/2006/main" xmlns:r="http://schemas.openxmlformats.org/officeDocument/2006/relationships" xmlns:p="http://schemas.openxmlformats.org/presentationml/2006/main">
+  <p:cSld>
+    <p:spTree>
+      <p:nvGrpSpPr>
+        <p:cNvPr id="1" name=""/>
+        <p:cNvGrpSpPr/>
+        <p:nvPr/>
+      </p:nvGrpSpPr>
+      <p:grpSpPr/>
+      <p:sp>
+        <p:nvSpPr>
+          <p:cNvPr id="5" name="文本框 4"/>
+          <p:cNvSpPr txBox="1"/>
+          <p:nvPr/>
+        </p:nvSpPr>
+        <p:spPr>
+          <a:xfrm>
+            <a:off x="108000" y="108000"/>
+            <a:ext cx="2627630" cy="368300"/>
+          </a:xfrm>
+          <a:prstGeom prst="rect">
+            <a:avLst/>
+          </a:prstGeom>
+          <a:noFill/>
+        </p:spPr>
+        <p:txBody>
+          <a:bodyPr wrap="square" rtlCol="0">
+            <a:spAutoFit/>
+          </a:bodyPr>
+          <a:p>
+            <a:r>
+              <a:rPr lang="zh-CN" altLang="en-US" b="1"/>
+              <a:t>用户注册</a:t>
+            </a:r>
+            <a:endParaRPr lang="zh-CN" altLang="en-US" b="1"/>
+          </a:p>
+        </p:txBody>
+      </p:sp>
+      <p:pic>
+        <p:nvPicPr>
+          <p:cNvPr id="6" name="图片 5"/>
+          <p:cNvPicPr>
+            <a:picLocks noChangeAspect="1"/>
+          </p:cNvPicPr>
+          <p:nvPr/>
+        </p:nvPicPr>
+        <p:blipFill>
+          <a:blip r:embed="rId1"/>
+          <a:stretch>
+            <a:fillRect/>
+          </a:stretch>
+        </p:blipFill>
+        <p:spPr>
+          <a:xfrm>
+            <a:off x="104775" y="480060"/>
+            <a:ext cx="4514850" cy="6365240"/>
+          </a:xfrm>
+          <a:prstGeom prst="rect">
+            <a:avLst/>
+          </a:prstGeom>
+        </p:spPr>
+      </p:pic>
+      <p:sp>
+        <p:nvSpPr>
+          <p:cNvPr id="8" name="文本框 7"/>
+          <p:cNvSpPr txBox="1"/>
+          <p:nvPr/>
+        </p:nvSpPr>
+        <p:spPr>
+          <a:xfrm>
+            <a:off x="6259195" y="295275"/>
+            <a:ext cx="934085" cy="460375"/>
+          </a:xfrm>
+          <a:prstGeom prst="rect">
+            <a:avLst/>
+          </a:prstGeom>
+          <a:noFill/>
+        </p:spPr>
+        <p:txBody>
+          <a:bodyPr wrap="square" rtlCol="0">
+            <a:spAutoFit/>
+          </a:bodyPr>
+          <a:p>
+            <a:r>
+              <a:rPr lang="zh-CN" altLang="en-US" sz="2400"/>
+              <a:t>流程</a:t>
+            </a:r>
+            <a:r>
+              <a:rPr lang="en-US" altLang="zh-CN" sz="2400"/>
+              <a:t>:</a:t>
+            </a:r>
+            <a:endParaRPr lang="zh-CN" altLang="en-US" sz="2400"/>
+          </a:p>
+        </p:txBody>
+      </p:sp>
+      <p:pic>
+        <p:nvPicPr>
+          <p:cNvPr id="10" name="图片 9"/>
+          <p:cNvPicPr>
+            <a:picLocks noChangeAspect="1"/>
+          </p:cNvPicPr>
+          <p:nvPr/>
+        </p:nvPicPr>
+        <p:blipFill>
+          <a:blip r:embed="rId2"/>
+          <a:stretch>
+            <a:fillRect/>
+          </a:stretch>
+        </p:blipFill>
+        <p:spPr>
+          <a:xfrm>
+            <a:off x="6207125" y="831850"/>
+            <a:ext cx="5194300" cy="6013450"/>
+          </a:xfrm>
+          <a:prstGeom prst="rect">
+            <a:avLst/>
+          </a:prstGeom>
+        </p:spPr>
+      </p:pic>
+    </p:spTree>
+    <p:custDataLst>
+      <p:tags r:id="rId3"/>
+    </p:custDataLst>
+  </p:cSld>
+  <p:clrMapOvr>
+    <a:masterClrMapping/>
+  </p:clrMapOvr>
+</p:sld>
+</file>
+
+<file path=ppt/slides/slide5.xml><?xml version="1.0" encoding="utf-8"?>
+<p:sld xmlns:a="http://schemas.openxmlformats.org/drawingml/2006/main" xmlns:r="http://schemas.openxmlformats.org/officeDocument/2006/relationships" xmlns:p="http://schemas.openxmlformats.org/presentationml/2006/main">
+  <p:cSld>
+    <p:spTree>
+      <p:nvGrpSpPr>
+        <p:cNvPr id="1" name=""/>
+        <p:cNvGrpSpPr/>
+        <p:nvPr/>
+      </p:nvGrpSpPr>
+      <p:grpSpPr/>
+      <p:sp>
+        <p:nvSpPr>
+          <p:cNvPr id="4" name="文本框 3"/>
+          <p:cNvSpPr txBox="1"/>
+          <p:nvPr/>
+        </p:nvSpPr>
+        <p:spPr>
+          <a:xfrm>
+            <a:off x="108000" y="108000"/>
+            <a:ext cx="6096000" cy="368300"/>
+          </a:xfrm>
+          <a:prstGeom prst="rect">
+            <a:avLst/>
+          </a:prstGeom>
+          <a:noFill/>
+        </p:spPr>
+        <p:txBody>
           <a:bodyPr wrap="square" rtlCol="0" anchor="t">
             <a:spAutoFit/>
           </a:bodyPr>
@@ -4124,33 +4511,15 @@
               <a:rPr lang="zh-CN" altLang="en-US" b="1">
                 <a:sym typeface="+mn-ea"/>
               </a:rPr>
-              <a:t>定时</a:t>
+              <a:t>顺序</a:t>
             </a:r>
             <a:r>
               <a:rPr lang="en-US" altLang="zh-CN" b="1">
                 <a:sym typeface="+mn-ea"/>
               </a:rPr>
-              <a:t>/</a:t>
-            </a:r>
-            <a:r>
-              <a:rPr lang="zh-CN" altLang="en-US" b="1">
-                <a:sym typeface="+mn-ea"/>
-              </a:rPr>
-              <a:t>定量</a:t>
-            </a:r>
-            <a:r>
-              <a:rPr lang="en-US" altLang="zh-CN" b="1">
-                <a:sym typeface="+mn-ea"/>
-              </a:rPr>
-              <a:t>)-</a:t>
-            </a:r>
-            <a:r>
-              <a:rPr lang="zh-CN" altLang="en-US" b="1">
-                <a:sym typeface="+mn-ea"/>
-              </a:rPr>
-              <a:t>测试用例及代码</a:t>
-            </a:r>
-            <a:endParaRPr lang="zh-CN" altLang="en-US" b="1">
+              <a:t>)</a:t>
+            </a:r>
+            <a:endParaRPr lang="en-US" altLang="zh-CN" b="1">
               <a:sym typeface="+mn-ea"/>
             </a:endParaRPr>
           </a:p>
@@ -4166,15 +4535,149 @@
         </p:nvPicPr>
         <p:blipFill>
           <a:blip r:embed="rId1"/>
-          <a:srcRect t="9014"/>
           <a:stretch>
             <a:fillRect/>
           </a:stretch>
         </p:blipFill>
         <p:spPr>
           <a:xfrm>
-            <a:off x="201295" y="524510"/>
-            <a:ext cx="5516245" cy="5608320"/>
+            <a:off x="107950" y="795020"/>
+            <a:ext cx="5434965" cy="4645025"/>
+          </a:xfrm>
+          <a:prstGeom prst="rect">
+            <a:avLst/>
+          </a:prstGeom>
+        </p:spPr>
+      </p:pic>
+      <p:pic>
+        <p:nvPicPr>
+          <p:cNvPr id="2" name="图片 1" descr="绘图1"/>
+          <p:cNvPicPr>
+            <a:picLocks noChangeAspect="1"/>
+          </p:cNvPicPr>
+          <p:nvPr/>
+        </p:nvPicPr>
+        <p:blipFill>
+          <a:blip r:embed="rId2"/>
+          <a:stretch>
+            <a:fillRect/>
+          </a:stretch>
+        </p:blipFill>
+        <p:spPr>
+          <a:xfrm>
+            <a:off x="6582410" y="54610"/>
+            <a:ext cx="3389630" cy="6803390"/>
+          </a:xfrm>
+          <a:prstGeom prst="rect">
+            <a:avLst/>
+          </a:prstGeom>
+        </p:spPr>
+      </p:pic>
+      <p:sp>
+        <p:nvSpPr>
+          <p:cNvPr id="8" name="文本框 7"/>
+          <p:cNvSpPr txBox="1"/>
+          <p:nvPr/>
+        </p:nvSpPr>
+        <p:spPr>
+          <a:xfrm>
+            <a:off x="6370320" y="227965"/>
+            <a:ext cx="934085" cy="460375"/>
+          </a:xfrm>
+          <a:prstGeom prst="rect">
+            <a:avLst/>
+          </a:prstGeom>
+          <a:noFill/>
+        </p:spPr>
+        <p:txBody>
+          <a:bodyPr wrap="square" rtlCol="0">
+            <a:spAutoFit/>
+          </a:bodyPr>
+          <a:p>
+            <a:r>
+              <a:rPr lang="zh-CN" altLang="en-US" sz="2400"/>
+              <a:t>流程</a:t>
+            </a:r>
+            <a:r>
+              <a:rPr lang="en-US" altLang="zh-CN" sz="2400"/>
+              <a:t>:</a:t>
+            </a:r>
+            <a:endParaRPr lang="zh-CN" altLang="en-US" sz="2400"/>
+          </a:p>
+        </p:txBody>
+      </p:sp>
+    </p:spTree>
+    <p:custDataLst>
+      <p:tags r:id="rId3"/>
+    </p:custDataLst>
+  </p:cSld>
+  <p:clrMapOvr>
+    <a:masterClrMapping/>
+  </p:clrMapOvr>
+</p:sld>
+</file>
+
+<file path=ppt/slides/slide6.xml><?xml version="1.0" encoding="utf-8"?>
+<p:sld xmlns:a="http://schemas.openxmlformats.org/drawingml/2006/main" xmlns:r="http://schemas.openxmlformats.org/officeDocument/2006/relationships" xmlns:p="http://schemas.openxmlformats.org/presentationml/2006/main">
+  <p:cSld>
+    <p:spTree>
+      <p:nvGrpSpPr>
+        <p:cNvPr id="1" name=""/>
+        <p:cNvGrpSpPr/>
+        <p:nvPr/>
+      </p:nvGrpSpPr>
+      <p:grpSpPr/>
+      <p:sp>
+        <p:nvSpPr>
+          <p:cNvPr id="8" name="文本框 7"/>
+          <p:cNvSpPr txBox="1"/>
+          <p:nvPr/>
+        </p:nvSpPr>
+        <p:spPr>
+          <a:xfrm>
+            <a:off x="7096125" y="175895"/>
+            <a:ext cx="934085" cy="460375"/>
+          </a:xfrm>
+          <a:prstGeom prst="rect">
+            <a:avLst/>
+          </a:prstGeom>
+          <a:noFill/>
+        </p:spPr>
+        <p:txBody>
+          <a:bodyPr wrap="square" rtlCol="0">
+            <a:spAutoFit/>
+          </a:bodyPr>
+          <a:p>
+            <a:r>
+              <a:rPr lang="zh-CN" altLang="en-US" sz="2400"/>
+              <a:t>流程</a:t>
+            </a:r>
+            <a:r>
+              <a:rPr lang="en-US" altLang="zh-CN" sz="2400"/>
+              <a:t>:</a:t>
+            </a:r>
+            <a:endParaRPr lang="zh-CN" altLang="en-US" sz="2400"/>
+          </a:p>
+        </p:txBody>
+      </p:sp>
+      <p:pic>
+        <p:nvPicPr>
+          <p:cNvPr id="4" name="图片 3" descr="2"/>
+          <p:cNvPicPr>
+            <a:picLocks noChangeAspect="1"/>
+          </p:cNvPicPr>
+          <p:nvPr/>
+        </p:nvPicPr>
+        <p:blipFill>
+          <a:blip r:embed="rId1"/>
+          <a:stretch>
+            <a:fillRect/>
+          </a:stretch>
+        </p:blipFill>
+        <p:spPr>
+          <a:xfrm>
+            <a:off x="8258175" y="267970"/>
+            <a:ext cx="2492375" cy="6590030"/>
           </a:xfrm>
           <a:prstGeom prst="rect">
             <a:avLst/>
@@ -4197,8 +4700,8 @@
         </p:blipFill>
         <p:spPr>
           <a:xfrm>
-            <a:off x="5206365" y="568325"/>
-            <a:ext cx="5944870" cy="6083935"/>
+            <a:off x="0" y="686435"/>
+            <a:ext cx="7209790" cy="6171565"/>
           </a:xfrm>
           <a:prstGeom prst="rect">
             <a:avLst/>
@@ -4216,7 +4719,134 @@
 </p:sld>
 </file>
 
-<file path=ppt/slides/slide17.xml><?xml version="1.0" encoding="utf-8"?>
+<file path=ppt/slides/slide7.xml><?xml version="1.0" encoding="utf-8"?>
+<p:sld xmlns:a="http://schemas.openxmlformats.org/drawingml/2006/main" xmlns:r="http://schemas.openxmlformats.org/officeDocument/2006/relationships" xmlns:p="http://schemas.openxmlformats.org/presentationml/2006/main">
+  <p:cSld>
+    <p:spTree>
+      <p:nvGrpSpPr>
+        <p:cNvPr id="1" name=""/>
+        <p:cNvGrpSpPr/>
+        <p:nvPr/>
+      </p:nvGrpSpPr>
+      <p:grpSpPr/>
+      <p:sp>
+        <p:nvSpPr>
+          <p:cNvPr id="4" name="文本框 3"/>
+          <p:cNvSpPr txBox="1"/>
+          <p:nvPr/>
+        </p:nvSpPr>
+        <p:spPr>
+          <a:xfrm>
+            <a:off x="108000" y="108000"/>
+            <a:ext cx="3390265" cy="368300"/>
+          </a:xfrm>
+          <a:prstGeom prst="rect">
+            <a:avLst/>
+          </a:prstGeom>
+          <a:noFill/>
+        </p:spPr>
+        <p:txBody>
+          <a:bodyPr wrap="square" rtlCol="0" anchor="t">
+            <a:spAutoFit/>
+          </a:bodyPr>
+          <a:p>
+            <a:r>
+              <a:rPr lang="zh-CN" altLang="en-US" b="1">
+                <a:sym typeface="+mn-ea"/>
+              </a:rPr>
+              <a:t>答题</a:t>
+            </a:r>
+            <a:r>
+              <a:rPr lang="en-US" altLang="zh-CN" b="1">
+                <a:sym typeface="+mn-ea"/>
+              </a:rPr>
+              <a:t>(</a:t>
+            </a:r>
+            <a:r>
+              <a:rPr lang="zh-CN" altLang="en-US" b="1">
+                <a:sym typeface="+mn-ea"/>
+              </a:rPr>
+              <a:t>顺序</a:t>
+            </a:r>
+            <a:r>
+              <a:rPr lang="en-US" altLang="zh-CN" b="1">
+                <a:sym typeface="+mn-ea"/>
+              </a:rPr>
+              <a:t>)-</a:t>
+            </a:r>
+            <a:r>
+              <a:rPr lang="zh-CN" altLang="en-US" b="1">
+                <a:sym typeface="+mn-ea"/>
+              </a:rPr>
+              <a:t>测试用例及代码</a:t>
+            </a:r>
+            <a:endParaRPr lang="zh-CN" altLang="en-US" b="1">
+              <a:sym typeface="+mn-ea"/>
+            </a:endParaRPr>
+          </a:p>
+        </p:txBody>
+      </p:sp>
+      <p:pic>
+        <p:nvPicPr>
+          <p:cNvPr id="5" name="图片 4"/>
+          <p:cNvPicPr>
+            <a:picLocks noChangeAspect="1"/>
+          </p:cNvPicPr>
+          <p:nvPr/>
+        </p:nvPicPr>
+        <p:blipFill>
+          <a:blip r:embed="rId1"/>
+          <a:srcRect l="483" t="11327" r="-483" b="-11327"/>
+          <a:stretch>
+            <a:fillRect/>
+          </a:stretch>
+        </p:blipFill>
+        <p:spPr>
+          <a:xfrm>
+            <a:off x="107950" y="393700"/>
+            <a:ext cx="4598035" cy="5690235"/>
+          </a:xfrm>
+          <a:prstGeom prst="rect">
+            <a:avLst/>
+          </a:prstGeom>
+        </p:spPr>
+      </p:pic>
+      <p:pic>
+        <p:nvPicPr>
+          <p:cNvPr id="6" name="图片 5"/>
+          <p:cNvPicPr>
+            <a:picLocks noChangeAspect="1"/>
+          </p:cNvPicPr>
+          <p:nvPr/>
+        </p:nvPicPr>
+        <p:blipFill>
+          <a:blip r:embed="rId2"/>
+          <a:stretch>
+            <a:fillRect/>
+          </a:stretch>
+        </p:blipFill>
+        <p:spPr>
+          <a:xfrm>
+            <a:off x="4506595" y="254000"/>
+            <a:ext cx="5531485" cy="6357620"/>
+          </a:xfrm>
+          <a:prstGeom prst="rect">
+            <a:avLst/>
+          </a:prstGeom>
+        </p:spPr>
+      </p:pic>
+    </p:spTree>
+    <p:custDataLst>
+      <p:tags r:id="rId3"/>
+    </p:custDataLst>
+  </p:cSld>
+  <p:clrMapOvr>
+    <a:masterClrMapping/>
+  </p:clrMapOvr>
+</p:sld>
+</file>
+
+<file path=ppt/slides/slide8.xml><?xml version="1.0" encoding="utf-8"?>
 <p:sld xmlns:a="http://schemas.openxmlformats.org/drawingml/2006/main" xmlns:r="http://schemas.openxmlformats.org/officeDocument/2006/relationships" xmlns:p="http://schemas.openxmlformats.org/presentationml/2006/main">
   <p:cSld>
     <p:spTree>
@@ -4242,8 +4872,8 @@
         </p:blipFill>
         <p:spPr>
           <a:xfrm>
-            <a:off x="107950" y="598805"/>
-            <a:ext cx="5848350" cy="5349240"/>
+            <a:off x="240665" y="995045"/>
+            <a:ext cx="6711315" cy="5402580"/>
           </a:xfrm>
           <a:prstGeom prst="rect">
             <a:avLst/>
@@ -4275,15 +4905,27 @@
               <a:rPr lang="zh-CN" altLang="en-US" b="1">
                 <a:sym typeface="+mn-ea"/>
               </a:rPr>
-              <a:t>题目</a:t>
+              <a:t>答题</a:t>
+            </a:r>
+            <a:r>
+              <a:rPr lang="en-US" altLang="zh-CN" b="1">
+                <a:sym typeface="+mn-ea"/>
+              </a:rPr>
+              <a:t>(</a:t>
             </a:r>
             <a:r>
               <a:rPr lang="zh-CN" altLang="en-US" b="1">
                 <a:sym typeface="+mn-ea"/>
               </a:rPr>
-              <a:t>搜索</a:t>
-            </a:r>
-            <a:endParaRPr lang="zh-CN" altLang="en-US" b="1">
+              <a:t>乱序</a:t>
+            </a:r>
+            <a:r>
+              <a:rPr lang="en-US" altLang="zh-CN" b="1">
+                <a:sym typeface="+mn-ea"/>
+              </a:rPr>
+              <a:t>)</a:t>
+            </a:r>
+            <a:endParaRPr lang="en-US" altLang="zh-CN" b="1">
               <a:sym typeface="+mn-ea"/>
             </a:endParaRPr>
           </a:p>
@@ -4297,7 +4939,7 @@
         </p:nvSpPr>
         <p:spPr>
           <a:xfrm>
-            <a:off x="6421755" y="318770"/>
+            <a:off x="7880985" y="419735"/>
             <a:ext cx="934085" cy="460375"/>
           </a:xfrm>
           <a:prstGeom prst="rect">
@@ -4324,7 +4966,7 @@
       </p:sp>
       <p:pic>
         <p:nvPicPr>
-          <p:cNvPr id="6" name="图片 5" descr="7"/>
+          <p:cNvPr id="3" name="图片 2" descr="３"/>
           <p:cNvPicPr>
             <a:picLocks noChangeAspect="1"/>
           </p:cNvPicPr>
@@ -4338,8 +4980,8 @@
         </p:blipFill>
         <p:spPr>
           <a:xfrm>
-            <a:off x="6480810" y="845820"/>
-            <a:ext cx="5288280" cy="5266690"/>
+            <a:off x="8445500" y="995045"/>
+            <a:ext cx="2925445" cy="5769610"/>
           </a:xfrm>
           <a:prstGeom prst="rect">
             <a:avLst/>
@@ -4357,7 +4999,7 @@
 </p:sld>
 </file>
 
-<file path=ppt/slides/slide18.xml><?xml version="1.0" encoding="utf-8"?>
+<file path=ppt/slides/slide9.xml><?xml version="1.0" encoding="utf-8"?>
 <p:sld xmlns:a="http://schemas.openxmlformats.org/drawingml/2006/main" xmlns:r="http://schemas.openxmlformats.org/officeDocument/2006/relationships" xmlns:p="http://schemas.openxmlformats.org/presentationml/2006/main">
   <p:cSld>
     <p:spTree>
@@ -4367,30 +5009,6 @@
         <p:nvPr/>
       </p:nvGrpSpPr>
       <p:grpSpPr/>
-      <p:pic>
-        <p:nvPicPr>
-          <p:cNvPr id="4" name="图片 3"/>
-          <p:cNvPicPr>
-            <a:picLocks noChangeAspect="1"/>
-          </p:cNvPicPr>
-          <p:nvPr/>
-        </p:nvPicPr>
-        <p:blipFill>
-          <a:blip r:embed="rId1"/>
-          <a:stretch>
-            <a:fillRect/>
-          </a:stretch>
-        </p:blipFill>
-        <p:spPr>
-          <a:xfrm>
-            <a:off x="0" y="476250"/>
-            <a:ext cx="4318000" cy="6381750"/>
-          </a:xfrm>
-          <a:prstGeom prst="rect">
-            <a:avLst/>
-          </a:prstGeom>
-        </p:spPr>
-      </p:pic>
       <p:sp>
         <p:nvSpPr>
           <p:cNvPr id="5" name="文本框 4"/>
@@ -4399,7 +5017,7 @@
         </p:nvSpPr>
         <p:spPr>
           <a:xfrm>
-            <a:off x="108000" y="107950"/>
+            <a:off x="108000" y="108000"/>
             <a:ext cx="6096000" cy="368300"/>
           </a:xfrm>
           <a:prstGeom prst="rect">
@@ -4416,13 +5034,25 @@
               <a:rPr lang="zh-CN" altLang="en-US" b="1">
                 <a:sym typeface="+mn-ea"/>
               </a:rPr>
-              <a:t>题目搜索</a:t>
+              <a:t>答题</a:t>
             </a:r>
             <a:r>
               <a:rPr lang="en-US" altLang="zh-CN" b="1">
                 <a:sym typeface="+mn-ea"/>
               </a:rPr>
-              <a:t>-</a:t>
+              <a:t>(</a:t>
+            </a:r>
+            <a:r>
+              <a:rPr lang="zh-CN" altLang="en-US" b="1">
+                <a:sym typeface="+mn-ea"/>
+              </a:rPr>
+              <a:t>乱序</a:t>
+            </a:r>
+            <a:r>
+              <a:rPr lang="en-US" altLang="zh-CN" b="1">
+                <a:sym typeface="+mn-ea"/>
+              </a:rPr>
+              <a:t>)-</a:t>
             </a:r>
             <a:r>
               <a:rPr lang="zh-CN" altLang="en-US" b="1">
@@ -4433,80 +5063,6 @@
             <a:endParaRPr lang="zh-CN" altLang="en-US" b="1">
               <a:sym typeface="+mn-ea"/>
             </a:endParaRPr>
-          </a:p>
-        </p:txBody>
-      </p:sp>
-      <p:pic>
-        <p:nvPicPr>
-          <p:cNvPr id="6" name="图片 5"/>
-          <p:cNvPicPr>
-            <a:picLocks noChangeAspect="1"/>
-          </p:cNvPicPr>
-          <p:nvPr/>
-        </p:nvPicPr>
-        <p:blipFill>
-          <a:blip r:embed="rId2"/>
-          <a:stretch>
-            <a:fillRect/>
-          </a:stretch>
-        </p:blipFill>
-        <p:spPr>
-          <a:xfrm>
-            <a:off x="4864735" y="0"/>
-            <a:ext cx="6063615" cy="6858000"/>
-          </a:xfrm>
-          <a:prstGeom prst="rect">
-            <a:avLst/>
-          </a:prstGeom>
-        </p:spPr>
-      </p:pic>
-    </p:spTree>
-    <p:custDataLst>
-      <p:tags r:id="rId3"/>
-    </p:custDataLst>
-  </p:cSld>
-  <p:clrMapOvr>
-    <a:masterClrMapping/>
-  </p:clrMapOvr>
-</p:sld>
-</file>
-
-<file path=ppt/slides/slide2.xml><?xml version="1.0" encoding="utf-8"?>
-<p:sld xmlns:a="http://schemas.openxmlformats.org/drawingml/2006/main" xmlns:r="http://schemas.openxmlformats.org/officeDocument/2006/relationships" xmlns:p="http://schemas.openxmlformats.org/presentationml/2006/main">
-  <p:cSld>
-    <p:spTree>
-      <p:nvGrpSpPr>
-        <p:cNvPr id="1" name=""/>
-        <p:cNvGrpSpPr/>
-        <p:nvPr/>
-      </p:nvGrpSpPr>
-      <p:grpSpPr/>
-      <p:sp>
-        <p:nvSpPr>
-          <p:cNvPr id="4" name="文本框 3"/>
-          <p:cNvSpPr txBox="1"/>
-          <p:nvPr/>
-        </p:nvSpPr>
-        <p:spPr>
-          <a:xfrm>
-            <a:off x="108000" y="108000"/>
-            <a:ext cx="3190240" cy="368300"/>
-          </a:xfrm>
-          <a:prstGeom prst="rect">
-            <a:avLst/>
-          </a:prstGeom>
-          <a:noFill/>
-        </p:spPr>
-        <p:txBody>
-          <a:bodyPr wrap="square" rtlCol="0">
-            <a:spAutoFit/>
-          </a:bodyPr>
-          <a:p>
-            <a:r>
-              <a:rPr lang="zh-CN" altLang="en-US" b="1"/>
-              <a:t>用户登录</a:t>
-            </a:r>
-            <a:endParaRPr lang="zh-CN" altLang="en-US" b="1"/>
           </a:p>
         </p:txBody>
       </p:sp>
@@ -4520,162 +5076,15 @@
         </p:nvPicPr>
         <p:blipFill>
           <a:blip r:embed="rId1"/>
+          <a:srcRect t="9312"/>
           <a:stretch>
             <a:fillRect/>
           </a:stretch>
         </p:blipFill>
         <p:spPr>
           <a:xfrm>
-            <a:off x="273685" y="685165"/>
-            <a:ext cx="4540250" cy="5994400"/>
-          </a:xfrm>
-          <a:prstGeom prst="rect">
-            <a:avLst/>
-          </a:prstGeom>
-        </p:spPr>
-      </p:pic>
-      <p:sp>
-        <p:nvSpPr>
-          <p:cNvPr id="8" name="文本框 7"/>
-          <p:cNvSpPr txBox="1"/>
-          <p:nvPr/>
-        </p:nvSpPr>
-        <p:spPr>
-          <a:xfrm>
-            <a:off x="5888990" y="685165"/>
-            <a:ext cx="964565" cy="460375"/>
-          </a:xfrm>
-          <a:prstGeom prst="rect">
-            <a:avLst/>
-          </a:prstGeom>
-          <a:noFill/>
-        </p:spPr>
-        <p:txBody>
-          <a:bodyPr wrap="square" rtlCol="0">
-            <a:spAutoFit/>
-          </a:bodyPr>
-          <a:p>
-            <a:r>
-              <a:rPr lang="zh-CN" altLang="en-US" sz="2400"/>
-              <a:t>流程</a:t>
-            </a:r>
-            <a:r>
-              <a:rPr lang="en-US" altLang="zh-CN" sz="2400"/>
-              <a:t>:</a:t>
-            </a:r>
-            <a:endParaRPr lang="zh-CN" altLang="en-US" sz="2400"/>
-          </a:p>
-        </p:txBody>
-      </p:sp>
-      <p:pic>
-        <p:nvPicPr>
-          <p:cNvPr id="10" name="图片 9"/>
-          <p:cNvPicPr>
-            <a:picLocks noChangeAspect="1"/>
-          </p:cNvPicPr>
-          <p:nvPr/>
-        </p:nvPicPr>
-        <p:blipFill>
-          <a:blip r:embed="rId2"/>
-          <a:stretch>
-            <a:fillRect/>
-          </a:stretch>
-        </p:blipFill>
-        <p:spPr>
-          <a:xfrm>
-            <a:off x="5773420" y="1115695"/>
-            <a:ext cx="4526280" cy="5563870"/>
-          </a:xfrm>
-          <a:prstGeom prst="rect">
-            <a:avLst/>
-          </a:prstGeom>
-        </p:spPr>
-      </p:pic>
-    </p:spTree>
-    <p:custDataLst>
-      <p:tags r:id="rId3"/>
-    </p:custDataLst>
-  </p:cSld>
-  <p:clrMapOvr>
-    <a:masterClrMapping/>
-  </p:clrMapOvr>
-</p:sld>
-</file>
-
-<file path=ppt/slides/slide3.xml><?xml version="1.0" encoding="utf-8"?>
-<p:sld xmlns:a="http://schemas.openxmlformats.org/drawingml/2006/main" xmlns:r="http://schemas.openxmlformats.org/officeDocument/2006/relationships" xmlns:p="http://schemas.openxmlformats.org/presentationml/2006/main">
-  <p:cSld>
-    <p:spTree>
-      <p:nvGrpSpPr>
-        <p:cNvPr id="1" name=""/>
-        <p:cNvGrpSpPr/>
-        <p:nvPr/>
-      </p:nvGrpSpPr>
-      <p:grpSpPr/>
-      <p:sp>
-        <p:nvSpPr>
-          <p:cNvPr id="4" name="文本框 3"/>
-          <p:cNvSpPr txBox="1"/>
-          <p:nvPr/>
-        </p:nvSpPr>
-        <p:spPr>
-          <a:xfrm>
-            <a:off x="124460" y="83185"/>
-            <a:ext cx="6096000" cy="368300"/>
-          </a:xfrm>
-          <a:prstGeom prst="rect">
-            <a:avLst/>
-          </a:prstGeom>
-          <a:noFill/>
-        </p:spPr>
-        <p:txBody>
-          <a:bodyPr wrap="square" rtlCol="0" anchor="t">
-            <a:spAutoFit/>
-          </a:bodyPr>
-          <a:p>
-            <a:r>
-              <a:rPr lang="zh-CN" altLang="en-US" b="1">
-                <a:sym typeface="+mn-ea"/>
-              </a:rPr>
-              <a:t>用户登录</a:t>
-            </a:r>
-            <a:r>
-              <a:rPr lang="en-US" altLang="zh-CN" b="1">
-                <a:sym typeface="+mn-ea"/>
-              </a:rPr>
-              <a:t>-</a:t>
-            </a:r>
-            <a:r>
-              <a:rPr lang="zh-CN" altLang="en-US" b="1">
-                <a:sym typeface="+mn-ea"/>
-              </a:rPr>
-              <a:t>测试用例及代码</a:t>
-            </a:r>
-            <a:endParaRPr lang="zh-CN" altLang="en-US" b="1">
-              <a:sym typeface="+mn-ea"/>
-            </a:endParaRPr>
-          </a:p>
-        </p:txBody>
-      </p:sp>
-      <p:pic>
-        <p:nvPicPr>
-          <p:cNvPr id="5" name="图片 4"/>
-          <p:cNvPicPr>
-            <a:picLocks noChangeAspect="1"/>
-          </p:cNvPicPr>
-          <p:nvPr/>
-        </p:nvPicPr>
-        <p:blipFill>
-          <a:blip r:embed="rId1"/>
-          <a:srcRect t="12352"/>
-          <a:stretch>
-            <a:fillRect/>
-          </a:stretch>
-        </p:blipFill>
-        <p:spPr>
-          <a:xfrm>
-            <a:off x="124460" y="451485"/>
-            <a:ext cx="4556125" cy="5461000"/>
+            <a:off x="56515" y="476250"/>
+            <a:ext cx="4721225" cy="5522595"/>
           </a:xfrm>
           <a:prstGeom prst="rect">
             <a:avLst/>
@@ -4698,8 +5107,8 @@
         </p:blipFill>
         <p:spPr>
           <a:xfrm>
-            <a:off x="4514215" y="767080"/>
-            <a:ext cx="4861560" cy="5915025"/>
+            <a:off x="4512310" y="415925"/>
+            <a:ext cx="6782435" cy="5944235"/>
           </a:xfrm>
           <a:prstGeom prst="rect">
             <a:avLst/>
@@ -4717,759 +5126,6 @@
 </p:sld>
 </file>
 
-<file path=ppt/slides/slide4.xml><?xml version="1.0" encoding="utf-8"?>
-<p:sld xmlns:a="http://schemas.openxmlformats.org/drawingml/2006/main" xmlns:r="http://schemas.openxmlformats.org/officeDocument/2006/relationships" xmlns:p="http://schemas.openxmlformats.org/presentationml/2006/main">
-  <p:cSld>
-    <p:spTree>
-      <p:nvGrpSpPr>
-        <p:cNvPr id="1" name=""/>
-        <p:cNvGrpSpPr/>
-        <p:nvPr/>
-      </p:nvGrpSpPr>
-      <p:grpSpPr/>
-      <p:pic>
-        <p:nvPicPr>
-          <p:cNvPr id="7" name="图片 6"/>
-          <p:cNvPicPr>
-            <a:picLocks noChangeAspect="1"/>
-          </p:cNvPicPr>
-          <p:nvPr/>
-        </p:nvPicPr>
-        <p:blipFill>
-          <a:blip r:embed="rId1"/>
-          <a:stretch>
-            <a:fillRect/>
-          </a:stretch>
-        </p:blipFill>
-        <p:spPr>
-          <a:xfrm>
-            <a:off x="157480" y="555625"/>
-            <a:ext cx="4754245" cy="3841750"/>
-          </a:xfrm>
-          <a:prstGeom prst="rect">
-            <a:avLst/>
-          </a:prstGeom>
-        </p:spPr>
-      </p:pic>
-      <p:sp>
-        <p:nvSpPr>
-          <p:cNvPr id="4" name="文本框 3"/>
-          <p:cNvSpPr txBox="1"/>
-          <p:nvPr/>
-        </p:nvSpPr>
-        <p:spPr>
-          <a:xfrm>
-            <a:off x="108000" y="108000"/>
-            <a:ext cx="4665980" cy="368300"/>
-          </a:xfrm>
-          <a:prstGeom prst="rect">
-            <a:avLst/>
-          </a:prstGeom>
-          <a:noFill/>
-        </p:spPr>
-        <p:txBody>
-          <a:bodyPr wrap="square" rtlCol="0">
-            <a:spAutoFit/>
-          </a:bodyPr>
-          <a:p>
-            <a:r>
-              <a:rPr lang="zh-CN" altLang="en-US" b="1"/>
-              <a:t>用户登出</a:t>
-            </a:r>
-            <a:endParaRPr lang="zh-CN" altLang="en-US" b="1"/>
-          </a:p>
-        </p:txBody>
-      </p:sp>
-      <p:pic>
-        <p:nvPicPr>
-          <p:cNvPr id="5" name="图片 4"/>
-          <p:cNvPicPr>
-            <a:picLocks noChangeAspect="1"/>
-          </p:cNvPicPr>
-          <p:nvPr/>
-        </p:nvPicPr>
-        <p:blipFill>
-          <a:blip r:embed="rId2"/>
-          <a:stretch>
-            <a:fillRect/>
-          </a:stretch>
-        </p:blipFill>
-        <p:spPr>
-          <a:xfrm>
-            <a:off x="7435215" y="424180"/>
-            <a:ext cx="2578100" cy="3759200"/>
-          </a:xfrm>
-          <a:prstGeom prst="rect">
-            <a:avLst/>
-          </a:prstGeom>
-        </p:spPr>
-      </p:pic>
-      <p:sp>
-        <p:nvSpPr>
-          <p:cNvPr id="6" name="文本框 5"/>
-          <p:cNvSpPr txBox="1"/>
-          <p:nvPr/>
-        </p:nvSpPr>
-        <p:spPr>
-          <a:xfrm>
-            <a:off x="6403340" y="316865"/>
-            <a:ext cx="911225" cy="460375"/>
-          </a:xfrm>
-          <a:prstGeom prst="rect">
-            <a:avLst/>
-          </a:prstGeom>
-          <a:noFill/>
-        </p:spPr>
-        <p:txBody>
-          <a:bodyPr wrap="square" rtlCol="0" anchor="t">
-            <a:spAutoFit/>
-          </a:bodyPr>
-          <a:p>
-            <a:r>
-              <a:rPr lang="zh-CN" altLang="en-US" sz="2400">
-                <a:sym typeface="+mn-ea"/>
-              </a:rPr>
-              <a:t>流程</a:t>
-            </a:r>
-            <a:r>
-              <a:rPr lang="en-US" altLang="zh-CN" sz="2400">
-                <a:sym typeface="+mn-ea"/>
-              </a:rPr>
-              <a:t>:</a:t>
-            </a:r>
-            <a:endParaRPr lang="en-US" altLang="zh-CN" sz="2400">
-              <a:sym typeface="+mn-ea"/>
-            </a:endParaRPr>
-          </a:p>
-        </p:txBody>
-      </p:sp>
-    </p:spTree>
-    <p:custDataLst>
-      <p:tags r:id="rId3"/>
-    </p:custDataLst>
-  </p:cSld>
-  <p:clrMapOvr>
-    <a:masterClrMapping/>
-  </p:clrMapOvr>
-</p:sld>
-</file>
-
-<file path=ppt/slides/slide5.xml><?xml version="1.0" encoding="utf-8"?>
-<p:sld xmlns:a="http://schemas.openxmlformats.org/drawingml/2006/main" xmlns:r="http://schemas.openxmlformats.org/officeDocument/2006/relationships" xmlns:p="http://schemas.openxmlformats.org/presentationml/2006/main">
-  <p:cSld>
-    <p:spTree>
-      <p:nvGrpSpPr>
-        <p:cNvPr id="1" name=""/>
-        <p:cNvGrpSpPr/>
-        <p:nvPr/>
-      </p:nvGrpSpPr>
-      <p:grpSpPr/>
-      <p:sp>
-        <p:nvSpPr>
-          <p:cNvPr id="4" name="文本框 3"/>
-          <p:cNvSpPr txBox="1"/>
-          <p:nvPr/>
-        </p:nvSpPr>
-        <p:spPr>
-          <a:xfrm>
-            <a:off x="108000" y="108000"/>
-            <a:ext cx="6096000" cy="368300"/>
-          </a:xfrm>
-          <a:prstGeom prst="rect">
-            <a:avLst/>
-          </a:prstGeom>
-          <a:noFill/>
-        </p:spPr>
-        <p:txBody>
-          <a:bodyPr wrap="square" rtlCol="0" anchor="t">
-            <a:spAutoFit/>
-          </a:bodyPr>
-          <a:p>
-            <a:r>
-              <a:rPr lang="zh-CN" altLang="en-US" b="1">
-                <a:sym typeface="+mn-ea"/>
-              </a:rPr>
-              <a:t>用户登出</a:t>
-            </a:r>
-            <a:r>
-              <a:rPr lang="en-US" altLang="zh-CN" b="1">
-                <a:sym typeface="+mn-ea"/>
-              </a:rPr>
-              <a:t>-</a:t>
-            </a:r>
-            <a:r>
-              <a:rPr lang="zh-CN" altLang="en-US" b="1">
-                <a:sym typeface="+mn-ea"/>
-              </a:rPr>
-              <a:t>测试用例及代码</a:t>
-            </a:r>
-            <a:endParaRPr lang="zh-CN" altLang="en-US" b="1">
-              <a:sym typeface="+mn-ea"/>
-            </a:endParaRPr>
-          </a:p>
-        </p:txBody>
-      </p:sp>
-      <p:pic>
-        <p:nvPicPr>
-          <p:cNvPr id="5" name="图片 4"/>
-          <p:cNvPicPr>
-            <a:picLocks noChangeAspect="1"/>
-          </p:cNvPicPr>
-          <p:nvPr/>
-        </p:nvPicPr>
-        <p:blipFill>
-          <a:blip r:embed="rId1"/>
-          <a:srcRect t="8551"/>
-          <a:stretch>
-            <a:fillRect/>
-          </a:stretch>
-        </p:blipFill>
-        <p:spPr>
-          <a:xfrm>
-            <a:off x="231775" y="593725"/>
-            <a:ext cx="4185920" cy="5670550"/>
-          </a:xfrm>
-          <a:prstGeom prst="rect">
-            <a:avLst/>
-          </a:prstGeom>
-        </p:spPr>
-      </p:pic>
-      <p:pic>
-        <p:nvPicPr>
-          <p:cNvPr id="6" name="图片 5"/>
-          <p:cNvPicPr>
-            <a:picLocks noChangeAspect="1"/>
-          </p:cNvPicPr>
-          <p:nvPr/>
-        </p:nvPicPr>
-        <p:blipFill>
-          <a:blip r:embed="rId2"/>
-          <a:stretch>
-            <a:fillRect/>
-          </a:stretch>
-        </p:blipFill>
-        <p:spPr>
-          <a:xfrm>
-            <a:off x="4909820" y="245745"/>
-            <a:ext cx="5046980" cy="6492240"/>
-          </a:xfrm>
-          <a:prstGeom prst="rect">
-            <a:avLst/>
-          </a:prstGeom>
-        </p:spPr>
-      </p:pic>
-    </p:spTree>
-    <p:custDataLst>
-      <p:tags r:id="rId3"/>
-    </p:custDataLst>
-  </p:cSld>
-  <p:clrMapOvr>
-    <a:masterClrMapping/>
-  </p:clrMapOvr>
-</p:sld>
-</file>
-
-<file path=ppt/slides/slide6.xml><?xml version="1.0" encoding="utf-8"?>
-<p:sld xmlns:a="http://schemas.openxmlformats.org/drawingml/2006/main" xmlns:r="http://schemas.openxmlformats.org/officeDocument/2006/relationships" xmlns:p="http://schemas.openxmlformats.org/presentationml/2006/main">
-  <p:cSld>
-    <p:spTree>
-      <p:nvGrpSpPr>
-        <p:cNvPr id="1" name=""/>
-        <p:cNvGrpSpPr/>
-        <p:nvPr/>
-      </p:nvGrpSpPr>
-      <p:grpSpPr/>
-      <p:sp>
-        <p:nvSpPr>
-          <p:cNvPr id="5" name="文本框 4"/>
-          <p:cNvSpPr txBox="1"/>
-          <p:nvPr/>
-        </p:nvSpPr>
-        <p:spPr>
-          <a:xfrm>
-            <a:off x="108000" y="108000"/>
-            <a:ext cx="2627630" cy="368300"/>
-          </a:xfrm>
-          <a:prstGeom prst="rect">
-            <a:avLst/>
-          </a:prstGeom>
-          <a:noFill/>
-        </p:spPr>
-        <p:txBody>
-          <a:bodyPr wrap="square" rtlCol="0">
-            <a:spAutoFit/>
-          </a:bodyPr>
-          <a:p>
-            <a:r>
-              <a:rPr lang="zh-CN" altLang="en-US" b="1"/>
-              <a:t>用户注册</a:t>
-            </a:r>
-            <a:endParaRPr lang="zh-CN" altLang="en-US" b="1"/>
-          </a:p>
-        </p:txBody>
-      </p:sp>
-      <p:pic>
-        <p:nvPicPr>
-          <p:cNvPr id="6" name="图片 5"/>
-          <p:cNvPicPr>
-            <a:picLocks noChangeAspect="1"/>
-          </p:cNvPicPr>
-          <p:nvPr/>
-        </p:nvPicPr>
-        <p:blipFill>
-          <a:blip r:embed="rId1"/>
-          <a:stretch>
-            <a:fillRect/>
-          </a:stretch>
-        </p:blipFill>
-        <p:spPr>
-          <a:xfrm>
-            <a:off x="104775" y="480060"/>
-            <a:ext cx="4514850" cy="6365240"/>
-          </a:xfrm>
-          <a:prstGeom prst="rect">
-            <a:avLst/>
-          </a:prstGeom>
-        </p:spPr>
-      </p:pic>
-      <p:sp>
-        <p:nvSpPr>
-          <p:cNvPr id="8" name="文本框 7"/>
-          <p:cNvSpPr txBox="1"/>
-          <p:nvPr/>
-        </p:nvSpPr>
-        <p:spPr>
-          <a:xfrm>
-            <a:off x="6259195" y="295275"/>
-            <a:ext cx="934085" cy="460375"/>
-          </a:xfrm>
-          <a:prstGeom prst="rect">
-            <a:avLst/>
-          </a:prstGeom>
-          <a:noFill/>
-        </p:spPr>
-        <p:txBody>
-          <a:bodyPr wrap="square" rtlCol="0">
-            <a:spAutoFit/>
-          </a:bodyPr>
-          <a:p>
-            <a:r>
-              <a:rPr lang="zh-CN" altLang="en-US" sz="2400"/>
-              <a:t>流程</a:t>
-            </a:r>
-            <a:r>
-              <a:rPr lang="en-US" altLang="zh-CN" sz="2400"/>
-              <a:t>:</a:t>
-            </a:r>
-            <a:endParaRPr lang="zh-CN" altLang="en-US" sz="2400"/>
-          </a:p>
-        </p:txBody>
-      </p:sp>
-      <p:pic>
-        <p:nvPicPr>
-          <p:cNvPr id="10" name="图片 9"/>
-          <p:cNvPicPr>
-            <a:picLocks noChangeAspect="1"/>
-          </p:cNvPicPr>
-          <p:nvPr/>
-        </p:nvPicPr>
-        <p:blipFill>
-          <a:blip r:embed="rId2"/>
-          <a:stretch>
-            <a:fillRect/>
-          </a:stretch>
-        </p:blipFill>
-        <p:spPr>
-          <a:xfrm>
-            <a:off x="6207125" y="831850"/>
-            <a:ext cx="5194300" cy="6013450"/>
-          </a:xfrm>
-          <a:prstGeom prst="rect">
-            <a:avLst/>
-          </a:prstGeom>
-        </p:spPr>
-      </p:pic>
-    </p:spTree>
-    <p:custDataLst>
-      <p:tags r:id="rId3"/>
-    </p:custDataLst>
-  </p:cSld>
-  <p:clrMapOvr>
-    <a:masterClrMapping/>
-  </p:clrMapOvr>
-</p:sld>
-</file>
-
-<file path=ppt/slides/slide7.xml><?xml version="1.0" encoding="utf-8"?>
-<p:sld xmlns:a="http://schemas.openxmlformats.org/drawingml/2006/main" xmlns:r="http://schemas.openxmlformats.org/officeDocument/2006/relationships" xmlns:p="http://schemas.openxmlformats.org/presentationml/2006/main">
-  <p:cSld>
-    <p:spTree>
-      <p:nvGrpSpPr>
-        <p:cNvPr id="1" name=""/>
-        <p:cNvGrpSpPr/>
-        <p:nvPr/>
-      </p:nvGrpSpPr>
-      <p:grpSpPr/>
-      <p:sp>
-        <p:nvSpPr>
-          <p:cNvPr id="4" name="文本框 3"/>
-          <p:cNvSpPr txBox="1"/>
-          <p:nvPr/>
-        </p:nvSpPr>
-        <p:spPr>
-          <a:xfrm>
-            <a:off x="108000" y="108000"/>
-            <a:ext cx="6096000" cy="368300"/>
-          </a:xfrm>
-          <a:prstGeom prst="rect">
-            <a:avLst/>
-          </a:prstGeom>
-          <a:noFill/>
-        </p:spPr>
-        <p:txBody>
-          <a:bodyPr wrap="square" rtlCol="0" anchor="t">
-            <a:spAutoFit/>
-          </a:bodyPr>
-          <a:p>
-            <a:r>
-              <a:rPr lang="zh-CN" altLang="en-US" b="1">
-                <a:sym typeface="+mn-ea"/>
-              </a:rPr>
-              <a:t>用户注册</a:t>
-            </a:r>
-            <a:r>
-              <a:rPr lang="en-US" altLang="zh-CN" b="1">
-                <a:sym typeface="+mn-ea"/>
-              </a:rPr>
-              <a:t>-</a:t>
-            </a:r>
-            <a:r>
-              <a:rPr lang="zh-CN" altLang="en-US" b="1">
-                <a:sym typeface="+mn-ea"/>
-              </a:rPr>
-              <a:t>测试用例及代码</a:t>
-            </a:r>
-            <a:endParaRPr lang="zh-CN" altLang="en-US" b="1">
-              <a:sym typeface="+mn-ea"/>
-            </a:endParaRPr>
-          </a:p>
-        </p:txBody>
-      </p:sp>
-      <p:pic>
-        <p:nvPicPr>
-          <p:cNvPr id="5" name="图片 4"/>
-          <p:cNvPicPr>
-            <a:picLocks noChangeAspect="1"/>
-          </p:cNvPicPr>
-          <p:nvPr/>
-        </p:nvPicPr>
-        <p:blipFill>
-          <a:blip r:embed="rId1"/>
-          <a:srcRect t="10839"/>
-          <a:stretch>
-            <a:fillRect/>
-          </a:stretch>
-        </p:blipFill>
-        <p:spPr>
-          <a:xfrm>
-            <a:off x="55880" y="476250"/>
-            <a:ext cx="5132070" cy="5432425"/>
-          </a:xfrm>
-          <a:prstGeom prst="rect">
-            <a:avLst/>
-          </a:prstGeom>
-        </p:spPr>
-      </p:pic>
-      <p:pic>
-        <p:nvPicPr>
-          <p:cNvPr id="6" name="图片 5"/>
-          <p:cNvPicPr>
-            <a:picLocks noChangeAspect="1"/>
-          </p:cNvPicPr>
-          <p:nvPr/>
-        </p:nvPicPr>
-        <p:blipFill>
-          <a:blip r:embed="rId2"/>
-          <a:stretch>
-            <a:fillRect/>
-          </a:stretch>
-        </p:blipFill>
-        <p:spPr>
-          <a:xfrm>
-            <a:off x="5081270" y="219075"/>
-            <a:ext cx="5401310" cy="6434455"/>
-          </a:xfrm>
-          <a:prstGeom prst="rect">
-            <a:avLst/>
-          </a:prstGeom>
-        </p:spPr>
-      </p:pic>
-    </p:spTree>
-    <p:custDataLst>
-      <p:tags r:id="rId3"/>
-    </p:custDataLst>
-  </p:cSld>
-  <p:clrMapOvr>
-    <a:masterClrMapping/>
-  </p:clrMapOvr>
-</p:sld>
-</file>
-
-<file path=ppt/slides/slide8.xml><?xml version="1.0" encoding="utf-8"?>
-<p:sld xmlns:a="http://schemas.openxmlformats.org/drawingml/2006/main" xmlns:r="http://schemas.openxmlformats.org/officeDocument/2006/relationships" xmlns:p="http://schemas.openxmlformats.org/presentationml/2006/main">
-  <p:cSld>
-    <p:spTree>
-      <p:nvGrpSpPr>
-        <p:cNvPr id="1" name=""/>
-        <p:cNvGrpSpPr/>
-        <p:nvPr/>
-      </p:nvGrpSpPr>
-      <p:grpSpPr/>
-      <p:sp>
-        <p:nvSpPr>
-          <p:cNvPr id="4" name="文本框 3"/>
-          <p:cNvSpPr txBox="1"/>
-          <p:nvPr/>
-        </p:nvSpPr>
-        <p:spPr>
-          <a:xfrm>
-            <a:off x="108000" y="108000"/>
-            <a:ext cx="6096000" cy="368300"/>
-          </a:xfrm>
-          <a:prstGeom prst="rect">
-            <a:avLst/>
-          </a:prstGeom>
-          <a:noFill/>
-        </p:spPr>
-        <p:txBody>
-          <a:bodyPr wrap="square" rtlCol="0" anchor="t">
-            <a:spAutoFit/>
-          </a:bodyPr>
-          <a:p>
-            <a:r>
-              <a:rPr lang="zh-CN" altLang="en-US" b="1">
-                <a:sym typeface="+mn-ea"/>
-              </a:rPr>
-              <a:t>答题</a:t>
-            </a:r>
-            <a:r>
-              <a:rPr lang="en-US" altLang="zh-CN" b="1">
-                <a:sym typeface="+mn-ea"/>
-              </a:rPr>
-              <a:t>(</a:t>
-            </a:r>
-            <a:r>
-              <a:rPr lang="zh-CN" altLang="en-US" b="1">
-                <a:sym typeface="+mn-ea"/>
-              </a:rPr>
-              <a:t>顺序</a:t>
-            </a:r>
-            <a:r>
-              <a:rPr lang="en-US" altLang="zh-CN" b="1">
-                <a:sym typeface="+mn-ea"/>
-              </a:rPr>
-              <a:t>)</a:t>
-            </a:r>
-            <a:endParaRPr lang="en-US" altLang="zh-CN" b="1">
-              <a:sym typeface="+mn-ea"/>
-            </a:endParaRPr>
-          </a:p>
-        </p:txBody>
-      </p:sp>
-      <p:pic>
-        <p:nvPicPr>
-          <p:cNvPr id="5" name="图片 4"/>
-          <p:cNvPicPr>
-            <a:picLocks noChangeAspect="1"/>
-          </p:cNvPicPr>
-          <p:nvPr/>
-        </p:nvPicPr>
-        <p:blipFill>
-          <a:blip r:embed="rId1"/>
-          <a:stretch>
-            <a:fillRect/>
-          </a:stretch>
-        </p:blipFill>
-        <p:spPr>
-          <a:xfrm>
-            <a:off x="107950" y="795020"/>
-            <a:ext cx="5434965" cy="4645025"/>
-          </a:xfrm>
-          <a:prstGeom prst="rect">
-            <a:avLst/>
-          </a:prstGeom>
-        </p:spPr>
-      </p:pic>
-      <p:pic>
-        <p:nvPicPr>
-          <p:cNvPr id="2" name="图片 1" descr="绘图1"/>
-          <p:cNvPicPr>
-            <a:picLocks noChangeAspect="1"/>
-          </p:cNvPicPr>
-          <p:nvPr/>
-        </p:nvPicPr>
-        <p:blipFill>
-          <a:blip r:embed="rId2"/>
-          <a:stretch>
-            <a:fillRect/>
-          </a:stretch>
-        </p:blipFill>
-        <p:spPr>
-          <a:xfrm>
-            <a:off x="6582410" y="54610"/>
-            <a:ext cx="3389630" cy="6803390"/>
-          </a:xfrm>
-          <a:prstGeom prst="rect">
-            <a:avLst/>
-          </a:prstGeom>
-        </p:spPr>
-      </p:pic>
-      <p:sp>
-        <p:nvSpPr>
-          <p:cNvPr id="8" name="文本框 7"/>
-          <p:cNvSpPr txBox="1"/>
-          <p:nvPr/>
-        </p:nvSpPr>
-        <p:spPr>
-          <a:xfrm>
-            <a:off x="6370320" y="227965"/>
-            <a:ext cx="934085" cy="460375"/>
-          </a:xfrm>
-          <a:prstGeom prst="rect">
-            <a:avLst/>
-          </a:prstGeom>
-          <a:noFill/>
-        </p:spPr>
-        <p:txBody>
-          <a:bodyPr wrap="square" rtlCol="0">
-            <a:spAutoFit/>
-          </a:bodyPr>
-          <a:p>
-            <a:r>
-              <a:rPr lang="zh-CN" altLang="en-US" sz="2400"/>
-              <a:t>流程</a:t>
-            </a:r>
-            <a:r>
-              <a:rPr lang="en-US" altLang="zh-CN" sz="2400"/>
-              <a:t>:</a:t>
-            </a:r>
-            <a:endParaRPr lang="zh-CN" altLang="en-US" sz="2400"/>
-          </a:p>
-        </p:txBody>
-      </p:sp>
-    </p:spTree>
-    <p:custDataLst>
-      <p:tags r:id="rId3"/>
-    </p:custDataLst>
-  </p:cSld>
-  <p:clrMapOvr>
-    <a:masterClrMapping/>
-  </p:clrMapOvr>
-</p:sld>
-</file>
-
-<file path=ppt/slides/slide9.xml><?xml version="1.0" encoding="utf-8"?>
-<p:sld xmlns:a="http://schemas.openxmlformats.org/drawingml/2006/main" xmlns:r="http://schemas.openxmlformats.org/officeDocument/2006/relationships" xmlns:p="http://schemas.openxmlformats.org/presentationml/2006/main">
-  <p:cSld>
-    <p:spTree>
-      <p:nvGrpSpPr>
-        <p:cNvPr id="1" name=""/>
-        <p:cNvGrpSpPr/>
-        <p:nvPr/>
-      </p:nvGrpSpPr>
-      <p:grpSpPr/>
-      <p:sp>
-        <p:nvSpPr>
-          <p:cNvPr id="8" name="文本框 7"/>
-          <p:cNvSpPr txBox="1"/>
-          <p:nvPr/>
-        </p:nvSpPr>
-        <p:spPr>
-          <a:xfrm>
-            <a:off x="7096125" y="175895"/>
-            <a:ext cx="934085" cy="460375"/>
-          </a:xfrm>
-          <a:prstGeom prst="rect">
-            <a:avLst/>
-          </a:prstGeom>
-          <a:noFill/>
-        </p:spPr>
-        <p:txBody>
-          <a:bodyPr wrap="square" rtlCol="0">
-            <a:spAutoFit/>
-          </a:bodyPr>
-          <a:p>
-            <a:r>
-              <a:rPr lang="zh-CN" altLang="en-US" sz="2400"/>
-              <a:t>流程</a:t>
-            </a:r>
-            <a:r>
-              <a:rPr lang="en-US" altLang="zh-CN" sz="2400"/>
-              <a:t>:</a:t>
-            </a:r>
-            <a:endParaRPr lang="zh-CN" altLang="en-US" sz="2400"/>
-          </a:p>
-        </p:txBody>
-      </p:sp>
-      <p:pic>
-        <p:nvPicPr>
-          <p:cNvPr id="4" name="图片 3" descr="2"/>
-          <p:cNvPicPr>
-            <a:picLocks noChangeAspect="1"/>
-          </p:cNvPicPr>
-          <p:nvPr/>
-        </p:nvPicPr>
-        <p:blipFill>
-          <a:blip r:embed="rId1"/>
-          <a:stretch>
-            <a:fillRect/>
-          </a:stretch>
-        </p:blipFill>
-        <p:spPr>
-          <a:xfrm>
-            <a:off x="8258175" y="267970"/>
-            <a:ext cx="2492375" cy="6590030"/>
-          </a:xfrm>
-          <a:prstGeom prst="rect">
-            <a:avLst/>
-          </a:prstGeom>
-        </p:spPr>
-      </p:pic>
-      <p:pic>
-        <p:nvPicPr>
-          <p:cNvPr id="6" name="图片 5"/>
-          <p:cNvPicPr>
-            <a:picLocks noChangeAspect="1"/>
-          </p:cNvPicPr>
-          <p:nvPr/>
-        </p:nvPicPr>
-        <p:blipFill>
-          <a:blip r:embed="rId2"/>
-          <a:stretch>
-            <a:fillRect/>
-          </a:stretch>
-        </p:blipFill>
-        <p:spPr>
-          <a:xfrm>
-            <a:off x="0" y="686435"/>
-            <a:ext cx="7209790" cy="6171565"/>
-          </a:xfrm>
-          <a:prstGeom prst="rect">
-            <a:avLst/>
-          </a:prstGeom>
-        </p:spPr>
-      </p:pic>
-    </p:spTree>
-    <p:custDataLst>
-      <p:tags r:id="rId3"/>
-    </p:custDataLst>
-  </p:cSld>
-  <p:clrMapOvr>
-    <a:masterClrMapping/>
-  </p:clrMapOvr>
-</p:sld>
-</file>
-
 <file path=ppt/tags/tag1.xml><?xml version="1.0" encoding="utf-8"?>
 <p:tagLst xmlns:p="http://schemas.openxmlformats.org/presentationml/2006/main">
   <p:tag name="KSO_WM_UNIT_HIGHLIGHT" val="0"/>
@@ -6388,22 +6044,6 @@
 </p:tagLst>
 </file>
 
-<file path=ppt/tags/tag78.xml><?xml version="1.0" encoding="utf-8"?>
-<p:tagLst xmlns:p="http://schemas.openxmlformats.org/presentationml/2006/main">
-  <p:tag name="KSO_WM_BEAUTIFY_FLAG" val="#wm#"/>
-  <p:tag name="KSO_WM_TEMPLATE_CATEGORY" val="custom"/>
-  <p:tag name="KSO_WM_TEMPLATE_INDEX" val="20205081"/>
-</p:tagLst>
-</file>
-
-<file path=ppt/tags/tag79.xml><?xml version="1.0" encoding="utf-8"?>
-<p:tagLst xmlns:p="http://schemas.openxmlformats.org/presentationml/2006/main">
-  <p:tag name="KSO_WM_BEAUTIFY_FLAG" val="#wm#"/>
-  <p:tag name="KSO_WM_TEMPLATE_CATEGORY" val="custom"/>
-  <p:tag name="KSO_WM_TEMPLATE_INDEX" val="20205081"/>
-</p:tagLst>
-</file>
-
 <file path=ppt/tags/tag8.xml><?xml version="1.0" encoding="utf-8"?>
 <p:tagLst xmlns:p="http://schemas.openxmlformats.org/presentationml/2006/main">
   <p:tag name="KSO_WM_UNIT_HIGHLIGHT" val="0"/>
@@ -6414,14 +6054,6 @@
   <p:tag name="KSO_WM_UNIT_LAYERLEVEL" val="1"/>
   <p:tag name="KSO_WM_TAG_VERSION" val="1.0"/>
   <p:tag name="KSO_WM_BEAUTIFY_FLAG" val="#wm#"/>
-</p:tagLst>
-</file>
-
-<file path=ppt/tags/tag80.xml><?xml version="1.0" encoding="utf-8"?>
-<p:tagLst xmlns:p="http://schemas.openxmlformats.org/presentationml/2006/main">
-  <p:tag name="KSO_WM_BEAUTIFY_FLAG" val="#wm#"/>
-  <p:tag name="KSO_WM_TEMPLATE_CATEGORY" val="custom"/>
-  <p:tag name="KSO_WM_TEMPLATE_INDEX" val="20205081"/>
 </p:tagLst>
 </file>
 
